--- a/計劃書、簡報/專題報告0421.pptx
+++ b/計劃書、簡報/專題報告0421.pptx
@@ -6414,7 +6414,7 @@
         <p:spPr>
           <a:xfrm>
             <a:off x="786384" y="2103120"/>
-            <a:ext cx="6894576" cy="4031873"/>
+            <a:ext cx="6894576" cy="2215991"/>
           </a:xfrm>
           <a:prstGeom prst="rect">
             <a:avLst/>
@@ -6435,6 +6435,16 @@
               <a:buChar char="•"/>
             </a:pPr>
             <a:r>
+              <a:rPr lang="zh-TW" altLang="en-US" sz="2800" dirty="0">
+                <a:solidFill>
+                  <a:srgbClr val="5C727C"/>
+                </a:solidFill>
+                <a:latin typeface="Heiti TC Medium" pitchFamily="2" charset="-128"/>
+                <a:ea typeface="Heiti TC Medium" pitchFamily="2" charset="-128"/>
+              </a:rPr>
+              <a:t>支持向量機</a:t>
+            </a:r>
+            <a:r>
               <a:rPr lang="zh-TW" altLang="zh-TW" sz="2800" dirty="0">
                 <a:solidFill>
                   <a:srgbClr val="5C727C"/>
@@ -6442,7 +6452,7 @@
                 <a:latin typeface="Heiti TC Medium" pitchFamily="2" charset="-128"/>
                 <a:ea typeface="Heiti TC Medium" pitchFamily="2" charset="-128"/>
               </a:rPr>
-              <a:t>決策樹（</a:t>
+              <a:t>（</a:t>
             </a:r>
             <a:r>
               <a:rPr lang="en-US" altLang="zh-TW" sz="2800" dirty="0">
@@ -6452,7 +6462,7 @@
                 <a:latin typeface="Heiti TC Medium" pitchFamily="2" charset="-128"/>
                 <a:ea typeface="Heiti TC Medium" pitchFamily="2" charset="-128"/>
               </a:rPr>
-              <a:t>Decision Tree</a:t>
+              <a:t>Support Vector Classifier</a:t>
             </a:r>
             <a:r>
               <a:rPr lang="zh-TW" altLang="zh-TW" sz="2800" dirty="0">
@@ -6517,6 +6527,36 @@
               <a:buChar char="•"/>
             </a:pPr>
             <a:r>
+              <a:rPr lang="zh-TW" altLang="en-US" sz="2000" dirty="0">
+                <a:solidFill>
+                  <a:srgbClr val="5C727C"/>
+                </a:solidFill>
+                <a:latin typeface="Heiti TC Medium" pitchFamily="2" charset="-128"/>
+                <a:ea typeface="Heiti TC Medium" pitchFamily="2" charset="-128"/>
+              </a:rPr>
+              <a:t>低維度帶入函數</a:t>
+            </a:r>
+            <a:r>
+              <a:rPr lang="en-US" altLang="zh-TW" sz="2000" dirty="0">
+                <a:solidFill>
+                  <a:srgbClr val="5C727C"/>
+                </a:solidFill>
+                <a:latin typeface="Heiti TC Medium" pitchFamily="2" charset="-128"/>
+                <a:ea typeface="Heiti TC Medium" pitchFamily="2" charset="-128"/>
+              </a:rPr>
+              <a:t>Kernel function</a:t>
+            </a:r>
+            <a:r>
+              <a:rPr lang="zh-TW" altLang="en-US" sz="2000" dirty="0">
+                <a:solidFill>
+                  <a:srgbClr val="5C727C"/>
+                </a:solidFill>
+                <a:latin typeface="Heiti TC Medium" pitchFamily="2" charset="-128"/>
+                <a:ea typeface="Heiti TC Medium" pitchFamily="2" charset="-128"/>
+              </a:rPr>
+              <a:t>轉換成高維度</a:t>
+            </a:r>
+            <a:r>
               <a:rPr lang="zh-TW" altLang="zh-TW" sz="2000" dirty="0">
                 <a:solidFill>
                   <a:srgbClr val="5C727C"/>
@@ -6524,179 +6564,7 @@
                 <a:latin typeface="Heiti TC Medium" pitchFamily="2" charset="-128"/>
                 <a:ea typeface="Heiti TC Medium" pitchFamily="2" charset="-128"/>
               </a:rPr>
-              <a:t>特點</a:t>
-            </a:r>
-            <a:r>
-              <a:rPr lang="zh-TW" altLang="en-US" sz="2000" dirty="0">
-                <a:solidFill>
-                  <a:srgbClr val="5C727C"/>
-                </a:solidFill>
-                <a:latin typeface="Heiti TC Medium" pitchFamily="2" charset="-128"/>
-                <a:ea typeface="Heiti TC Medium" pitchFamily="2" charset="-128"/>
-              </a:rPr>
-              <a:t>：針對它的特徵做決策，並</a:t>
-            </a:r>
-            <a:r>
-              <a:rPr lang="zh-TW" altLang="zh-TW" sz="2000" dirty="0">
-                <a:solidFill>
-                  <a:srgbClr val="5C727C"/>
-                </a:solidFill>
-                <a:latin typeface="Heiti TC Medium" pitchFamily="2" charset="-128"/>
-                <a:ea typeface="Heiti TC Medium" pitchFamily="2" charset="-128"/>
-              </a:rPr>
-              <a:t>每個決策階段都相當的明確清楚</a:t>
-            </a:r>
-            <a:r>
-              <a:rPr lang="en-US" altLang="zh-TW" sz="2000" dirty="0">
-                <a:solidFill>
-                  <a:srgbClr val="5C727C"/>
-                </a:solidFill>
-                <a:latin typeface="Heiti TC Medium" pitchFamily="2" charset="-128"/>
-                <a:ea typeface="Heiti TC Medium" pitchFamily="2" charset="-128"/>
-              </a:rPr>
-              <a:t>(</a:t>
-            </a:r>
-            <a:r>
-              <a:rPr lang="zh-TW" altLang="en-US" sz="2000" dirty="0">
-                <a:solidFill>
-                  <a:srgbClr val="5C727C"/>
-                </a:solidFill>
-                <a:latin typeface="Heiti TC Medium" pitchFamily="2" charset="-128"/>
-                <a:ea typeface="Heiti TC Medium" pitchFamily="2" charset="-128"/>
-              </a:rPr>
-              <a:t>二分法</a:t>
-            </a:r>
-            <a:r>
-              <a:rPr lang="en-US" altLang="zh-TW" sz="2000" dirty="0">
-                <a:solidFill>
-                  <a:srgbClr val="5C727C"/>
-                </a:solidFill>
-                <a:latin typeface="Heiti TC Medium" pitchFamily="2" charset="-128"/>
-                <a:ea typeface="Heiti TC Medium" pitchFamily="2" charset="-128"/>
-              </a:rPr>
-              <a:t>)</a:t>
-            </a:r>
-            <a:r>
-              <a:rPr lang="zh-TW" altLang="zh-TW" sz="2000" dirty="0">
-                <a:solidFill>
-                  <a:srgbClr val="5C727C"/>
-                </a:solidFill>
-                <a:latin typeface="Heiti TC Medium" pitchFamily="2" charset="-128"/>
-                <a:ea typeface="Heiti TC Medium" pitchFamily="2" charset="-128"/>
-              </a:rPr>
-              <a:t> </a:t>
-            </a:r>
-            <a:r>
-              <a:rPr lang="zh-TW" altLang="en-US" sz="2000" dirty="0">
-                <a:solidFill>
-                  <a:srgbClr val="5C727C"/>
-                </a:solidFill>
-                <a:latin typeface="Heiti TC Medium" pitchFamily="2" charset="-128"/>
-                <a:ea typeface="Heiti TC Medium" pitchFamily="2" charset="-128"/>
-              </a:rPr>
-              <a:t>。</a:t>
-            </a:r>
-            <a:r>
-              <a:rPr lang="zh-TW" altLang="zh-TW" sz="2000" dirty="0">
-                <a:solidFill>
-                  <a:srgbClr val="5C727C"/>
-                </a:solidFill>
-                <a:latin typeface="Heiti TC Medium" pitchFamily="2" charset="-128"/>
-                <a:ea typeface="Heiti TC Medium" pitchFamily="2" charset="-128"/>
-              </a:rPr>
-              <a:t> </a:t>
-            </a:r>
-            <a:endParaRPr lang="en-US" altLang="zh-TW" sz="2800" dirty="0">
-              <a:solidFill>
-                <a:srgbClr val="5C727C"/>
-              </a:solidFill>
-              <a:latin typeface="Heiti TC Medium" pitchFamily="2" charset="-128"/>
-              <a:ea typeface="Heiti TC Medium" pitchFamily="2" charset="-128"/>
-            </a:endParaRPr>
-          </a:p>
-          <a:p>
-            <a:pPr marL="285750" lvl="0" indent="-285750">
-              <a:spcAft>
-                <a:spcPts val="1200"/>
-              </a:spcAft>
-              <a:buFont typeface="Arial" panose="020B0604020202020204" pitchFamily="34" charset="0"/>
-              <a:buChar char="•"/>
-            </a:pPr>
-            <a:r>
-              <a:rPr lang="zh-TW" altLang="en-US" sz="2800" dirty="0">
-                <a:solidFill>
-                  <a:srgbClr val="5C727C"/>
-                </a:solidFill>
-                <a:latin typeface="Heiti TC Medium" pitchFamily="2" charset="-128"/>
-                <a:ea typeface="Heiti TC Medium" pitchFamily="2" charset="-128"/>
-              </a:rPr>
-              <a:t>支持向量機</a:t>
-            </a:r>
-            <a:r>
-              <a:rPr lang="zh-TW" altLang="zh-TW" sz="2800" dirty="0">
-                <a:solidFill>
-                  <a:srgbClr val="5C727C"/>
-                </a:solidFill>
-                <a:latin typeface="Heiti TC Medium" pitchFamily="2" charset="-128"/>
-                <a:ea typeface="Heiti TC Medium" pitchFamily="2" charset="-128"/>
-              </a:rPr>
-              <a:t>（</a:t>
-            </a:r>
-            <a:r>
-              <a:rPr lang="en-US" altLang="zh-TW" sz="2800" dirty="0">
-                <a:solidFill>
-                  <a:srgbClr val="5C727C"/>
-                </a:solidFill>
-                <a:latin typeface="Heiti TC Medium" pitchFamily="2" charset="-128"/>
-                <a:ea typeface="Heiti TC Medium" pitchFamily="2" charset="-128"/>
-              </a:rPr>
-              <a:t>Support Vector Classifier</a:t>
-            </a:r>
-            <a:r>
-              <a:rPr lang="zh-TW" altLang="zh-TW" sz="2800" dirty="0">
-                <a:solidFill>
-                  <a:srgbClr val="5C727C"/>
-                </a:solidFill>
-                <a:latin typeface="Heiti TC Medium" pitchFamily="2" charset="-128"/>
-                <a:ea typeface="Heiti TC Medium" pitchFamily="2" charset="-128"/>
-              </a:rPr>
-              <a:t>）</a:t>
-            </a:r>
-            <a:endParaRPr lang="en-US" altLang="zh-TW" sz="2800" dirty="0">
-              <a:solidFill>
-                <a:srgbClr val="5C727C"/>
-              </a:solidFill>
-              <a:latin typeface="Heiti TC Medium" pitchFamily="2" charset="-128"/>
-              <a:ea typeface="Heiti TC Medium" pitchFamily="2" charset="-128"/>
-            </a:endParaRPr>
-          </a:p>
-          <a:p>
-            <a:pPr marL="742950" lvl="1" indent="-285750">
-              <a:spcAft>
-                <a:spcPts val="1200"/>
-              </a:spcAft>
-              <a:buFont typeface="Arial" panose="020B0604020202020204" pitchFamily="34" charset="0"/>
-              <a:buChar char="•"/>
-            </a:pPr>
-            <a:r>
-              <a:rPr lang="zh-TW" altLang="zh-TW" sz="2000" dirty="0">
-                <a:solidFill>
-                  <a:srgbClr val="5C727C"/>
-                </a:solidFill>
-                <a:latin typeface="Heiti TC Medium" pitchFamily="2" charset="-128"/>
-                <a:ea typeface="Heiti TC Medium" pitchFamily="2" charset="-128"/>
-              </a:rPr>
-              <a:t>監督式機器學習模型 </a:t>
-            </a:r>
-            <a:r>
-              <a:rPr lang="zh-TW" altLang="en-US" sz="2000" dirty="0">
-                <a:solidFill>
-                  <a:srgbClr val="5C727C"/>
-                </a:solidFill>
-                <a:latin typeface="Heiti TC Medium" pitchFamily="2" charset="-128"/>
-                <a:ea typeface="Heiti TC Medium" pitchFamily="2" charset="-128"/>
-              </a:rPr>
-              <a:t>。</a:t>
+              <a:t>  </a:t>
             </a:r>
             <a:endParaRPr lang="en-US" altLang="zh-TW" sz="2000" dirty="0">
               <a:solidFill>
@@ -6715,62 +6583,6 @@
               <a:buChar char="•"/>
             </a:pPr>
             <a:r>
-              <a:rPr lang="zh-TW" altLang="en-US" sz="2000" dirty="0">
-                <a:solidFill>
-                  <a:srgbClr val="5C727C"/>
-                </a:solidFill>
-                <a:latin typeface="Heiti TC Medium" pitchFamily="2" charset="-128"/>
-                <a:ea typeface="Heiti TC Medium" pitchFamily="2" charset="-128"/>
-              </a:rPr>
-              <a:t>低維度帶入函數</a:t>
-            </a:r>
-            <a:r>
-              <a:rPr lang="en-US" altLang="zh-TW" sz="2000" dirty="0">
-                <a:solidFill>
-                  <a:srgbClr val="5C727C"/>
-                </a:solidFill>
-                <a:latin typeface="Heiti TC Medium" pitchFamily="2" charset="-128"/>
-                <a:ea typeface="Heiti TC Medium" pitchFamily="2" charset="-128"/>
-              </a:rPr>
-              <a:t>Kernel function</a:t>
-            </a:r>
-            <a:r>
-              <a:rPr lang="zh-TW" altLang="en-US" sz="2000" dirty="0">
-                <a:solidFill>
-                  <a:srgbClr val="5C727C"/>
-                </a:solidFill>
-                <a:latin typeface="Heiti TC Medium" pitchFamily="2" charset="-128"/>
-                <a:ea typeface="Heiti TC Medium" pitchFamily="2" charset="-128"/>
-              </a:rPr>
-              <a:t>轉換成高維度</a:t>
-            </a:r>
-            <a:r>
-              <a:rPr lang="zh-TW" altLang="zh-TW" sz="2000" dirty="0">
-                <a:solidFill>
-                  <a:srgbClr val="5C727C"/>
-                </a:solidFill>
-                <a:latin typeface="Heiti TC Medium" pitchFamily="2" charset="-128"/>
-                <a:ea typeface="Heiti TC Medium" pitchFamily="2" charset="-128"/>
-              </a:rPr>
-              <a:t>  </a:t>
-            </a:r>
-            <a:endParaRPr lang="en-US" altLang="zh-TW" sz="2000" dirty="0">
-              <a:solidFill>
-                <a:srgbClr val="5C727C"/>
-              </a:solidFill>
-              <a:latin typeface="Heiti TC Medium" pitchFamily="2" charset="-128"/>
-              <a:ea typeface="Heiti TC Medium" pitchFamily="2" charset="-128"/>
-            </a:endParaRPr>
-          </a:p>
-          <a:p>
-            <a:pPr marL="742950" lvl="1" indent="-285750">
-              <a:spcAft>
-                <a:spcPts val="1200"/>
-              </a:spcAft>
-              <a:buFont typeface="Arial" panose="020B0604020202020204" pitchFamily="34" charset="0"/>
-              <a:buChar char="•"/>
-            </a:pPr>
-            <a:r>
               <a:rPr lang="zh-TW" altLang="zh-TW" sz="2000" dirty="0">
                 <a:solidFill>
                   <a:srgbClr val="5C727C"/>
@@ -6830,36 +6642,6 @@
           </a:p>
         </p:txBody>
       </p:sp>
-      <p:pic>
-        <p:nvPicPr>
-          <p:cNvPr id="9" name="圖片 8">
-            <a:extLst>
-              <a:ext uri="{FF2B5EF4-FFF2-40B4-BE49-F238E27FC236}">
-                <a16:creationId xmlns:a16="http://schemas.microsoft.com/office/drawing/2014/main" id="{0BD0F0CC-4BC1-1441-99B9-CAAA53B3F026}"/>
-              </a:ext>
-            </a:extLst>
-          </p:cNvPr>
-          <p:cNvPicPr>
-            <a:picLocks noChangeAspect="1"/>
-          </p:cNvPicPr>
-          <p:nvPr/>
-        </p:nvPicPr>
-        <p:blipFill>
-          <a:blip r:embed="rId2"/>
-          <a:stretch>
-            <a:fillRect/>
-          </a:stretch>
-        </p:blipFill>
-        <p:spPr>
-          <a:xfrm>
-            <a:off x="8026400" y="2103120"/>
-            <a:ext cx="4165600" cy="3105150"/>
-          </a:xfrm>
-          <a:prstGeom prst="rect">
-            <a:avLst/>
-          </a:prstGeom>
-        </p:spPr>
-      </p:pic>
     </p:spTree>
     <p:extLst>
       <p:ext uri="{BB962C8B-B14F-4D97-AF65-F5344CB8AC3E}">

--- a/計劃書、簡報/專題報告0421.pptx
+++ b/計劃書、簡報/專題報告0421.pptx
@@ -4,6 +4,9 @@
   <p:sldMasterIdLst>
     <p:sldMasterId id="2147483648" r:id="rId1"/>
   </p:sldMasterIdLst>
+  <p:notesMasterIdLst>
+    <p:notesMasterId r:id="rId12"/>
+  </p:notesMasterIdLst>
   <p:sldIdLst>
     <p:sldId id="256" r:id="rId2"/>
     <p:sldId id="258" r:id="rId3"/>
@@ -11,7 +14,7 @@
     <p:sldId id="259" r:id="rId5"/>
     <p:sldId id="260" r:id="rId6"/>
     <p:sldId id="264" r:id="rId7"/>
-    <p:sldId id="275" r:id="rId8"/>
+    <p:sldId id="279" r:id="rId8"/>
     <p:sldId id="267" r:id="rId9"/>
     <p:sldId id="268" r:id="rId10"/>
     <p:sldId id="278" r:id="rId11"/>
@@ -119,6 +122,439 @@
     </p:ext>
   </p:extLst>
 </p:presentation>
+</file>
+
+<file path=ppt/notesMasters/notesMaster1.xml><?xml version="1.0" encoding="utf-8"?>
+<p:notesMaster xmlns:a="http://schemas.openxmlformats.org/drawingml/2006/main" xmlns:r="http://schemas.openxmlformats.org/officeDocument/2006/relationships" xmlns:p="http://schemas.openxmlformats.org/presentationml/2006/main">
+  <p:cSld>
+    <p:bg>
+      <p:bgRef idx="1001">
+        <a:schemeClr val="bg1"/>
+      </p:bgRef>
+    </p:bg>
+    <p:spTree>
+      <p:nvGrpSpPr>
+        <p:cNvPr id="1" name=""/>
+        <p:cNvGrpSpPr/>
+        <p:nvPr/>
+      </p:nvGrpSpPr>
+      <p:grpSpPr>
+        <a:xfrm>
+          <a:off x="0" y="0"/>
+          <a:ext cx="0" cy="0"/>
+          <a:chOff x="0" y="0"/>
+          <a:chExt cx="0" cy="0"/>
+        </a:xfrm>
+      </p:grpSpPr>
+      <p:sp>
+        <p:nvSpPr>
+          <p:cNvPr id="2" name="頁首版面配置區 1"/>
+          <p:cNvSpPr>
+            <a:spLocks noGrp="1"/>
+          </p:cNvSpPr>
+          <p:nvPr>
+            <p:ph type="hdr" sz="quarter"/>
+          </p:nvPr>
+        </p:nvSpPr>
+        <p:spPr>
+          <a:xfrm>
+            <a:off x="0" y="0"/>
+            <a:ext cx="2971800" cy="458788"/>
+          </a:xfrm>
+          <a:prstGeom prst="rect">
+            <a:avLst/>
+          </a:prstGeom>
+        </p:spPr>
+        <p:txBody>
+          <a:bodyPr vert="horz" lIns="91440" tIns="45720" rIns="91440" bIns="45720" rtlCol="0"/>
+          <a:lstStyle>
+            <a:lvl1pPr algn="l">
+              <a:defRPr sz="1200"/>
+            </a:lvl1pPr>
+          </a:lstStyle>
+          <a:p>
+            <a:endParaRPr lang="zh-TW" altLang="en-US"/>
+          </a:p>
+        </p:txBody>
+      </p:sp>
+      <p:sp>
+        <p:nvSpPr>
+          <p:cNvPr id="3" name="日期版面配置區 2"/>
+          <p:cNvSpPr>
+            <a:spLocks noGrp="1"/>
+          </p:cNvSpPr>
+          <p:nvPr>
+            <p:ph type="dt" idx="1"/>
+          </p:nvPr>
+        </p:nvSpPr>
+        <p:spPr>
+          <a:xfrm>
+            <a:off x="3884613" y="0"/>
+            <a:ext cx="2971800" cy="458788"/>
+          </a:xfrm>
+          <a:prstGeom prst="rect">
+            <a:avLst/>
+          </a:prstGeom>
+        </p:spPr>
+        <p:txBody>
+          <a:bodyPr vert="horz" lIns="91440" tIns="45720" rIns="91440" bIns="45720" rtlCol="0"/>
+          <a:lstStyle>
+            <a:lvl1pPr algn="r">
+              <a:defRPr sz="1200"/>
+            </a:lvl1pPr>
+          </a:lstStyle>
+          <a:p>
+            <a:fld id="{FF38F2C3-09C0-4131-BFA9-372F7259C6BD}" type="datetimeFigureOut">
+              <a:rPr lang="zh-TW" altLang="en-US" smtClean="0"/>
+              <a:t>2021/4/24</a:t>
+            </a:fld>
+            <a:endParaRPr lang="zh-TW" altLang="en-US"/>
+          </a:p>
+        </p:txBody>
+      </p:sp>
+      <p:sp>
+        <p:nvSpPr>
+          <p:cNvPr id="4" name="投影片影像版面配置區 3"/>
+          <p:cNvSpPr>
+            <a:spLocks noGrp="1" noRot="1" noChangeAspect="1"/>
+          </p:cNvSpPr>
+          <p:nvPr>
+            <p:ph type="sldImg" idx="2"/>
+          </p:nvPr>
+        </p:nvSpPr>
+        <p:spPr>
+          <a:xfrm>
+            <a:off x="685800" y="1143000"/>
+            <a:ext cx="5486400" cy="3086100"/>
+          </a:xfrm>
+          <a:prstGeom prst="rect">
+            <a:avLst/>
+          </a:prstGeom>
+          <a:noFill/>
+          <a:ln w="12700">
+            <a:solidFill>
+              <a:prstClr val="black"/>
+            </a:solidFill>
+          </a:ln>
+        </p:spPr>
+        <p:txBody>
+          <a:bodyPr vert="horz" lIns="91440" tIns="45720" rIns="91440" bIns="45720" rtlCol="0" anchor="ctr"/>
+          <a:lstStyle/>
+          <a:p>
+            <a:endParaRPr lang="zh-TW" altLang="en-US"/>
+          </a:p>
+        </p:txBody>
+      </p:sp>
+      <p:sp>
+        <p:nvSpPr>
+          <p:cNvPr id="5" name="備忘稿版面配置區 4"/>
+          <p:cNvSpPr>
+            <a:spLocks noGrp="1"/>
+          </p:cNvSpPr>
+          <p:nvPr>
+            <p:ph type="body" sz="quarter" idx="3"/>
+          </p:nvPr>
+        </p:nvSpPr>
+        <p:spPr>
+          <a:xfrm>
+            <a:off x="685800" y="4400550"/>
+            <a:ext cx="5486400" cy="3600450"/>
+          </a:xfrm>
+          <a:prstGeom prst="rect">
+            <a:avLst/>
+          </a:prstGeom>
+        </p:spPr>
+        <p:txBody>
+          <a:bodyPr vert="horz" lIns="91440" tIns="45720" rIns="91440" bIns="45720" rtlCol="0"/>
+          <a:lstStyle/>
+          <a:p>
+            <a:pPr lvl="0"/>
+            <a:r>
+              <a:rPr lang="zh-TW" altLang="en-US"/>
+              <a:t>編輯母片文字樣式</a:t>
+            </a:r>
+          </a:p>
+          <a:p>
+            <a:pPr lvl="1"/>
+            <a:r>
+              <a:rPr lang="zh-TW" altLang="en-US"/>
+              <a:t>第二層</a:t>
+            </a:r>
+          </a:p>
+          <a:p>
+            <a:pPr lvl="2"/>
+            <a:r>
+              <a:rPr lang="zh-TW" altLang="en-US"/>
+              <a:t>第三層</a:t>
+            </a:r>
+          </a:p>
+          <a:p>
+            <a:pPr lvl="3"/>
+            <a:r>
+              <a:rPr lang="zh-TW" altLang="en-US"/>
+              <a:t>第四層</a:t>
+            </a:r>
+          </a:p>
+          <a:p>
+            <a:pPr lvl="4"/>
+            <a:r>
+              <a:rPr lang="zh-TW" altLang="en-US"/>
+              <a:t>第五層</a:t>
+            </a:r>
+          </a:p>
+        </p:txBody>
+      </p:sp>
+      <p:sp>
+        <p:nvSpPr>
+          <p:cNvPr id="6" name="頁尾版面配置區 5"/>
+          <p:cNvSpPr>
+            <a:spLocks noGrp="1"/>
+          </p:cNvSpPr>
+          <p:nvPr>
+            <p:ph type="ftr" sz="quarter" idx="4"/>
+          </p:nvPr>
+        </p:nvSpPr>
+        <p:spPr>
+          <a:xfrm>
+            <a:off x="0" y="8685213"/>
+            <a:ext cx="2971800" cy="458787"/>
+          </a:xfrm>
+          <a:prstGeom prst="rect">
+            <a:avLst/>
+          </a:prstGeom>
+        </p:spPr>
+        <p:txBody>
+          <a:bodyPr vert="horz" lIns="91440" tIns="45720" rIns="91440" bIns="45720" rtlCol="0" anchor="b"/>
+          <a:lstStyle>
+            <a:lvl1pPr algn="l">
+              <a:defRPr sz="1200"/>
+            </a:lvl1pPr>
+          </a:lstStyle>
+          <a:p>
+            <a:endParaRPr lang="zh-TW" altLang="en-US"/>
+          </a:p>
+        </p:txBody>
+      </p:sp>
+      <p:sp>
+        <p:nvSpPr>
+          <p:cNvPr id="7" name="投影片編號版面配置區 6"/>
+          <p:cNvSpPr>
+            <a:spLocks noGrp="1"/>
+          </p:cNvSpPr>
+          <p:nvPr>
+            <p:ph type="sldNum" sz="quarter" idx="5"/>
+          </p:nvPr>
+        </p:nvSpPr>
+        <p:spPr>
+          <a:xfrm>
+            <a:off x="3884613" y="8685213"/>
+            <a:ext cx="2971800" cy="458787"/>
+          </a:xfrm>
+          <a:prstGeom prst="rect">
+            <a:avLst/>
+          </a:prstGeom>
+        </p:spPr>
+        <p:txBody>
+          <a:bodyPr vert="horz" lIns="91440" tIns="45720" rIns="91440" bIns="45720" rtlCol="0" anchor="b"/>
+          <a:lstStyle>
+            <a:lvl1pPr algn="r">
+              <a:defRPr sz="1200"/>
+            </a:lvl1pPr>
+          </a:lstStyle>
+          <a:p>
+            <a:fld id="{4610407E-BB2A-4279-85B3-B62C975A01EC}" type="slidenum">
+              <a:rPr lang="zh-TW" altLang="en-US" smtClean="0"/>
+              <a:t>‹#›</a:t>
+            </a:fld>
+            <a:endParaRPr lang="zh-TW" altLang="en-US"/>
+          </a:p>
+        </p:txBody>
+      </p:sp>
+    </p:spTree>
+    <p:extLst>
+      <p:ext uri="{BB962C8B-B14F-4D97-AF65-F5344CB8AC3E}">
+        <p14:creationId xmlns:p14="http://schemas.microsoft.com/office/powerpoint/2010/main" val="227702669"/>
+      </p:ext>
+    </p:extLst>
+  </p:cSld>
+  <p:clrMap bg1="lt1" tx1="dk1" bg2="lt2" tx2="dk2" accent1="accent1" accent2="accent2" accent3="accent3" accent4="accent4" accent5="accent5" accent6="accent6" hlink="hlink" folHlink="folHlink"/>
+  <p:notesStyle>
+    <a:lvl1pPr marL="0" algn="l" defTabSz="914400" rtl="0" eaLnBrk="1" latinLnBrk="0" hangingPunct="1">
+      <a:defRPr sz="1200" kern="1200">
+        <a:solidFill>
+          <a:schemeClr val="tx1"/>
+        </a:solidFill>
+        <a:latin typeface="+mn-lt"/>
+        <a:ea typeface="+mn-ea"/>
+        <a:cs typeface="+mn-cs"/>
+      </a:defRPr>
+    </a:lvl1pPr>
+    <a:lvl2pPr marL="457200" algn="l" defTabSz="914400" rtl="0" eaLnBrk="1" latinLnBrk="0" hangingPunct="1">
+      <a:defRPr sz="1200" kern="1200">
+        <a:solidFill>
+          <a:schemeClr val="tx1"/>
+        </a:solidFill>
+        <a:latin typeface="+mn-lt"/>
+        <a:ea typeface="+mn-ea"/>
+        <a:cs typeface="+mn-cs"/>
+      </a:defRPr>
+    </a:lvl2pPr>
+    <a:lvl3pPr marL="914400" algn="l" defTabSz="914400" rtl="0" eaLnBrk="1" latinLnBrk="0" hangingPunct="1">
+      <a:defRPr sz="1200" kern="1200">
+        <a:solidFill>
+          <a:schemeClr val="tx1"/>
+        </a:solidFill>
+        <a:latin typeface="+mn-lt"/>
+        <a:ea typeface="+mn-ea"/>
+        <a:cs typeface="+mn-cs"/>
+      </a:defRPr>
+    </a:lvl3pPr>
+    <a:lvl4pPr marL="1371600" algn="l" defTabSz="914400" rtl="0" eaLnBrk="1" latinLnBrk="0" hangingPunct="1">
+      <a:defRPr sz="1200" kern="1200">
+        <a:solidFill>
+          <a:schemeClr val="tx1"/>
+        </a:solidFill>
+        <a:latin typeface="+mn-lt"/>
+        <a:ea typeface="+mn-ea"/>
+        <a:cs typeface="+mn-cs"/>
+      </a:defRPr>
+    </a:lvl4pPr>
+    <a:lvl5pPr marL="1828800" algn="l" defTabSz="914400" rtl="0" eaLnBrk="1" latinLnBrk="0" hangingPunct="1">
+      <a:defRPr sz="1200" kern="1200">
+        <a:solidFill>
+          <a:schemeClr val="tx1"/>
+        </a:solidFill>
+        <a:latin typeface="+mn-lt"/>
+        <a:ea typeface="+mn-ea"/>
+        <a:cs typeface="+mn-cs"/>
+      </a:defRPr>
+    </a:lvl5pPr>
+    <a:lvl6pPr marL="2286000" algn="l" defTabSz="914400" rtl="0" eaLnBrk="1" latinLnBrk="0" hangingPunct="1">
+      <a:defRPr sz="1200" kern="1200">
+        <a:solidFill>
+          <a:schemeClr val="tx1"/>
+        </a:solidFill>
+        <a:latin typeface="+mn-lt"/>
+        <a:ea typeface="+mn-ea"/>
+        <a:cs typeface="+mn-cs"/>
+      </a:defRPr>
+    </a:lvl6pPr>
+    <a:lvl7pPr marL="2743200" algn="l" defTabSz="914400" rtl="0" eaLnBrk="1" latinLnBrk="0" hangingPunct="1">
+      <a:defRPr sz="1200" kern="1200">
+        <a:solidFill>
+          <a:schemeClr val="tx1"/>
+        </a:solidFill>
+        <a:latin typeface="+mn-lt"/>
+        <a:ea typeface="+mn-ea"/>
+        <a:cs typeface="+mn-cs"/>
+      </a:defRPr>
+    </a:lvl7pPr>
+    <a:lvl8pPr marL="3200400" algn="l" defTabSz="914400" rtl="0" eaLnBrk="1" latinLnBrk="0" hangingPunct="1">
+      <a:defRPr sz="1200" kern="1200">
+        <a:solidFill>
+          <a:schemeClr val="tx1"/>
+        </a:solidFill>
+        <a:latin typeface="+mn-lt"/>
+        <a:ea typeface="+mn-ea"/>
+        <a:cs typeface="+mn-cs"/>
+      </a:defRPr>
+    </a:lvl8pPr>
+    <a:lvl9pPr marL="3657600" algn="l" defTabSz="914400" rtl="0" eaLnBrk="1" latinLnBrk="0" hangingPunct="1">
+      <a:defRPr sz="1200" kern="1200">
+        <a:solidFill>
+          <a:schemeClr val="tx1"/>
+        </a:solidFill>
+        <a:latin typeface="+mn-lt"/>
+        <a:ea typeface="+mn-ea"/>
+        <a:cs typeface="+mn-cs"/>
+      </a:defRPr>
+    </a:lvl9pPr>
+  </p:notesStyle>
+</p:notesMaster>
+</file>
+
+<file path=ppt/notesSlides/notesSlide1.xml><?xml version="1.0" encoding="utf-8"?>
+<p:notes xmlns:a="http://schemas.openxmlformats.org/drawingml/2006/main" xmlns:r="http://schemas.openxmlformats.org/officeDocument/2006/relationships" xmlns:p="http://schemas.openxmlformats.org/presentationml/2006/main">
+  <p:cSld>
+    <p:spTree>
+      <p:nvGrpSpPr>
+        <p:cNvPr id="1" name=""/>
+        <p:cNvGrpSpPr/>
+        <p:nvPr/>
+      </p:nvGrpSpPr>
+      <p:grpSpPr>
+        <a:xfrm>
+          <a:off x="0" y="0"/>
+          <a:ext cx="0" cy="0"/>
+          <a:chOff x="0" y="0"/>
+          <a:chExt cx="0" cy="0"/>
+        </a:xfrm>
+      </p:grpSpPr>
+      <p:sp>
+        <p:nvSpPr>
+          <p:cNvPr id="2" name="投影片影像版面配置區 1"/>
+          <p:cNvSpPr>
+            <a:spLocks noGrp="1" noRot="1" noChangeAspect="1"/>
+          </p:cNvSpPr>
+          <p:nvPr>
+            <p:ph type="sldImg"/>
+          </p:nvPr>
+        </p:nvSpPr>
+        <p:spPr/>
+      </p:sp>
+      <p:sp>
+        <p:nvSpPr>
+          <p:cNvPr id="3" name="備忘稿版面配置區 2"/>
+          <p:cNvSpPr>
+            <a:spLocks noGrp="1"/>
+          </p:cNvSpPr>
+          <p:nvPr>
+            <p:ph type="body" idx="1"/>
+          </p:nvPr>
+        </p:nvSpPr>
+        <p:spPr/>
+        <p:txBody>
+          <a:bodyPr/>
+          <a:lstStyle/>
+          <a:p>
+            <a:endParaRPr lang="zh-TW" altLang="en-US" dirty="0"/>
+          </a:p>
+        </p:txBody>
+      </p:sp>
+      <p:sp>
+        <p:nvSpPr>
+          <p:cNvPr id="4" name="投影片編號版面配置區 3"/>
+          <p:cNvSpPr>
+            <a:spLocks noGrp="1"/>
+          </p:cNvSpPr>
+          <p:nvPr>
+            <p:ph type="sldNum" sz="quarter" idx="5"/>
+          </p:nvPr>
+        </p:nvSpPr>
+        <p:spPr/>
+        <p:txBody>
+          <a:bodyPr/>
+          <a:lstStyle/>
+          <a:p>
+            <a:fld id="{4610407E-BB2A-4279-85B3-B62C975A01EC}" type="slidenum">
+              <a:rPr lang="zh-TW" altLang="en-US" smtClean="0"/>
+              <a:t>8</a:t>
+            </a:fld>
+            <a:endParaRPr lang="zh-TW" altLang="en-US"/>
+          </a:p>
+        </p:txBody>
+      </p:sp>
+    </p:spTree>
+    <p:extLst>
+      <p:ext uri="{BB962C8B-B14F-4D97-AF65-F5344CB8AC3E}">
+        <p14:creationId xmlns:p14="http://schemas.microsoft.com/office/powerpoint/2010/main" val="1809798059"/>
+      </p:ext>
+    </p:extLst>
+  </p:cSld>
+  <p:clrMapOvr>
+    <a:masterClrMapping/>
+  </p:clrMapOvr>
+</p:notes>
 </file>
 
 <file path=ppt/slideLayouts/slideLayout1.xml><?xml version="1.0" encoding="utf-8"?>
@@ -960,8 +1396,8 @@
         </p:nvSpPr>
         <p:spPr>
           <a:xfrm>
-            <a:off x="128337" y="1826364"/>
-            <a:ext cx="4572000" cy="4832092"/>
+            <a:off x="189297" y="757785"/>
+            <a:ext cx="4572000" cy="5847755"/>
           </a:xfrm>
           <a:prstGeom prst="rect">
             <a:avLst/>
@@ -975,22 +1411,26 @@
           <a:lstStyle/>
           <a:p>
             <a:r>
-              <a:rPr kumimoji="1" lang="zh-TW" altLang="en-US" sz="6600" dirty="0">
+              <a:rPr kumimoji="1" lang="en-US" altLang="zh-TW" sz="6600" dirty="0">
                 <a:solidFill>
                   <a:srgbClr val="48A1AE"/>
                 </a:solidFill>
                 <a:latin typeface="Heiti TC Medium" pitchFamily="2" charset="-128"/>
                 <a:ea typeface="Heiti TC Medium" pitchFamily="2" charset="-128"/>
               </a:rPr>
-              <a:t>高齡智慧生理監控系統</a:t>
+              <a:t>AIOT</a:t>
             </a:r>
-            <a:endParaRPr kumimoji="1" lang="en-US" altLang="zh-TW" sz="6600" dirty="0">
-              <a:solidFill>
-                <a:srgbClr val="48A1AE"/>
-              </a:solidFill>
-              <a:latin typeface="Heiti TC Medium" pitchFamily="2" charset="-128"/>
-              <a:ea typeface="Heiti TC Medium" pitchFamily="2" charset="-128"/>
-            </a:endParaRPr>
+            <a:r>
+              <a:rPr kumimoji="1" lang="zh-TW" altLang="en-US" sz="6600" dirty="0">
+                <a:solidFill>
+                  <a:srgbClr val="48A1AE"/>
+                </a:solidFill>
+                <a:latin typeface="Heiti TC Medium" pitchFamily="2" charset="-128"/>
+                <a:ea typeface="Heiti TC Medium" pitchFamily="2" charset="-128"/>
+              </a:rPr>
+              <a:t>生理量測與分析系統</a:t>
+            </a:r>
+            <a:endParaRPr lang="zh-TW" altLang="zh-TW" b="1" dirty="0"/>
           </a:p>
           <a:p>
             <a:endParaRPr kumimoji="1" lang="en-US" altLang="zh-TW" sz="3200" dirty="0">
@@ -5538,7 +5978,7 @@
                 <a:srgbClr val="5C727C"/>
               </a:solidFill>
               <a:latin typeface="Heiti TC Medium" pitchFamily="2" charset="-128"/>
-              <a:ea typeface="Heiti TC Medium" pitchFamily="2" charset="-128"/>
+              <a:ea typeface="Heiti TC Medium"/>
             </a:endParaRPr>
           </a:p>
           <a:p>
@@ -5717,40 +6157,2337 @@
           <a:chExt cx="0" cy="0"/>
         </a:xfrm>
       </p:grpSpPr>
-      <p:pic>
-        <p:nvPicPr>
-          <p:cNvPr id="20" name="圖片 19">
+      <p:sp>
+        <p:nvSpPr>
+          <p:cNvPr id="7" name="文字方塊 6">
             <a:extLst>
               <a:ext uri="{FF2B5EF4-FFF2-40B4-BE49-F238E27FC236}">
-                <a16:creationId xmlns:a16="http://schemas.microsoft.com/office/drawing/2014/main" id="{49B0F484-6BE7-1344-85BC-98642B842703}"/>
+                <a16:creationId xmlns:a16="http://schemas.microsoft.com/office/drawing/2014/main" id="{8A1DEF31-46FD-B547-A3B4-DD53538017FE}"/>
               </a:ext>
             </a:extLst>
           </p:cNvPr>
-          <p:cNvPicPr>
-            <a:picLocks noChangeAspect="1"/>
-          </p:cNvPicPr>
+          <p:cNvSpPr txBox="1"/>
           <p:nvPr/>
-        </p:nvPicPr>
-        <p:blipFill>
-          <a:blip r:embed="rId2"/>
-          <a:stretch>
-            <a:fillRect/>
-          </a:stretch>
-        </p:blipFill>
+        </p:nvSpPr>
         <p:spPr>
           <a:xfrm>
-            <a:off x="1" y="0"/>
-            <a:ext cx="12192000" cy="6877852"/>
+            <a:off x="657726" y="288758"/>
+            <a:ext cx="10876548" cy="707886"/>
           </a:xfrm>
           <a:prstGeom prst="rect">
             <a:avLst/>
           </a:prstGeom>
+          <a:noFill/>
         </p:spPr>
-      </p:pic>
+        <p:txBody>
+          <a:bodyPr wrap="square" rtlCol="0">
+            <a:spAutoFit/>
+          </a:bodyPr>
+          <a:lstStyle/>
+          <a:p>
+            <a:r>
+              <a:rPr kumimoji="1" lang="zh-TW" altLang="en-US" sz="4000" dirty="0">
+                <a:solidFill>
+                  <a:srgbClr val="48A1AE"/>
+                </a:solidFill>
+                <a:latin typeface="Heiti TC Medium" pitchFamily="2" charset="-128"/>
+                <a:ea typeface="Heiti TC Medium" pitchFamily="2" charset="-128"/>
+              </a:rPr>
+              <a:t>研究方法</a:t>
+            </a:r>
+          </a:p>
+        </p:txBody>
+      </p:sp>
+      <p:sp>
+        <p:nvSpPr>
+          <p:cNvPr id="8" name="手繪多邊形 7">
+            <a:extLst>
+              <a:ext uri="{FF2B5EF4-FFF2-40B4-BE49-F238E27FC236}">
+                <a16:creationId xmlns:a16="http://schemas.microsoft.com/office/drawing/2014/main" id="{730F770C-3370-8A47-BDE9-33A997F6E072}"/>
+              </a:ext>
+            </a:extLst>
+          </p:cNvPr>
+          <p:cNvSpPr/>
+          <p:nvPr/>
+        </p:nvSpPr>
+        <p:spPr>
+          <a:xfrm>
+            <a:off x="657726" y="1702805"/>
+            <a:ext cx="5438274" cy="204914"/>
+          </a:xfrm>
+          <a:custGeom>
+            <a:avLst/>
+            <a:gdLst>
+              <a:gd name="connsiteX0" fmla="*/ 0 w 4771164"/>
+              <a:gd name="connsiteY0" fmla="*/ 0 h 711386"/>
+              <a:gd name="connsiteX1" fmla="*/ 4106173 w 4771164"/>
+              <a:gd name="connsiteY1" fmla="*/ 0 h 711386"/>
+              <a:gd name="connsiteX2" fmla="*/ 4106173 w 4771164"/>
+              <a:gd name="connsiteY2" fmla="*/ 1 h 711386"/>
+              <a:gd name="connsiteX3" fmla="*/ 4771164 w 4771164"/>
+              <a:gd name="connsiteY3" fmla="*/ 1 h 711386"/>
+              <a:gd name="connsiteX4" fmla="*/ 4594193 w 4771164"/>
+              <a:gd name="connsiteY4" fmla="*/ 707887 h 711386"/>
+              <a:gd name="connsiteX5" fmla="*/ 4106173 w 4771164"/>
+              <a:gd name="connsiteY5" fmla="*/ 707887 h 711386"/>
+              <a:gd name="connsiteX6" fmla="*/ 4106173 w 4771164"/>
+              <a:gd name="connsiteY6" fmla="*/ 711386 h 711386"/>
+              <a:gd name="connsiteX7" fmla="*/ 0 w 4771164"/>
+              <a:gd name="connsiteY7" fmla="*/ 711386 h 711386"/>
+            </a:gdLst>
+            <a:ahLst/>
+            <a:cxnLst>
+              <a:cxn ang="0">
+                <a:pos x="connsiteX0" y="connsiteY0"/>
+              </a:cxn>
+              <a:cxn ang="0">
+                <a:pos x="connsiteX1" y="connsiteY1"/>
+              </a:cxn>
+              <a:cxn ang="0">
+                <a:pos x="connsiteX2" y="connsiteY2"/>
+              </a:cxn>
+              <a:cxn ang="0">
+                <a:pos x="connsiteX3" y="connsiteY3"/>
+              </a:cxn>
+              <a:cxn ang="0">
+                <a:pos x="connsiteX4" y="connsiteY4"/>
+              </a:cxn>
+              <a:cxn ang="0">
+                <a:pos x="connsiteX5" y="connsiteY5"/>
+              </a:cxn>
+              <a:cxn ang="0">
+                <a:pos x="connsiteX6" y="connsiteY6"/>
+              </a:cxn>
+              <a:cxn ang="0">
+                <a:pos x="connsiteX7" y="connsiteY7"/>
+              </a:cxn>
+            </a:cxnLst>
+            <a:rect l="l" t="t" r="r" b="b"/>
+            <a:pathLst>
+              <a:path w="4771164" h="711386">
+                <a:moveTo>
+                  <a:pt x="0" y="0"/>
+                </a:moveTo>
+                <a:lnTo>
+                  <a:pt x="4106173" y="0"/>
+                </a:lnTo>
+                <a:lnTo>
+                  <a:pt x="4106173" y="1"/>
+                </a:lnTo>
+                <a:lnTo>
+                  <a:pt x="4771164" y="1"/>
+                </a:lnTo>
+                <a:lnTo>
+                  <a:pt x="4594193" y="707887"/>
+                </a:lnTo>
+                <a:lnTo>
+                  <a:pt x="4106173" y="707887"/>
+                </a:lnTo>
+                <a:lnTo>
+                  <a:pt x="4106173" y="711386"/>
+                </a:lnTo>
+                <a:lnTo>
+                  <a:pt x="0" y="711386"/>
+                </a:lnTo>
+                <a:close/>
+              </a:path>
+            </a:pathLst>
+          </a:custGeom>
+          <a:solidFill>
+            <a:srgbClr val="48A1AE"/>
+          </a:solidFill>
+        </p:spPr>
+        <p:style>
+          <a:lnRef idx="2">
+            <a:schemeClr val="accent1">
+              <a:shade val="50000"/>
+            </a:schemeClr>
+          </a:lnRef>
+          <a:fillRef idx="1">
+            <a:schemeClr val="accent1"/>
+          </a:fillRef>
+          <a:effectRef idx="0">
+            <a:schemeClr val="accent1"/>
+          </a:effectRef>
+          <a:fontRef idx="minor">
+            <a:schemeClr val="lt1"/>
+          </a:fontRef>
+        </p:style>
+        <p:txBody>
+          <a:bodyPr wrap="square" rtlCol="0" anchor="ctr">
+            <a:noAutofit/>
+          </a:bodyPr>
+          <a:lstStyle/>
+          <a:p>
+            <a:pPr algn="ctr"/>
+            <a:endParaRPr kumimoji="1" lang="zh-TW" altLang="en-US"/>
+          </a:p>
+        </p:txBody>
+      </p:sp>
+      <p:sp>
+        <p:nvSpPr>
+          <p:cNvPr id="10" name="文字方塊 9">
+            <a:extLst>
+              <a:ext uri="{FF2B5EF4-FFF2-40B4-BE49-F238E27FC236}">
+                <a16:creationId xmlns:a16="http://schemas.microsoft.com/office/drawing/2014/main" id="{36D24E4F-FEF2-B847-820B-89982D38AE62}"/>
+              </a:ext>
+            </a:extLst>
+          </p:cNvPr>
+          <p:cNvSpPr txBox="1"/>
+          <p:nvPr/>
+        </p:nvSpPr>
+        <p:spPr>
+          <a:xfrm>
+            <a:off x="657726" y="1118892"/>
+            <a:ext cx="5009790" cy="461665"/>
+          </a:xfrm>
+          <a:prstGeom prst="rect">
+            <a:avLst/>
+          </a:prstGeom>
+          <a:noFill/>
+        </p:spPr>
+        <p:txBody>
+          <a:bodyPr wrap="square" rtlCol="0">
+            <a:spAutoFit/>
+          </a:bodyPr>
+          <a:lstStyle/>
+          <a:p>
+            <a:r>
+              <a:rPr lang="zh-TW" altLang="en-US" sz="2400" dirty="0">
+                <a:solidFill>
+                  <a:srgbClr val="48A1AE"/>
+                </a:solidFill>
+                <a:latin typeface="Heiti TC Medium" pitchFamily="2" charset="-128"/>
+                <a:ea typeface="Heiti TC Medium" pitchFamily="2" charset="-128"/>
+              </a:rPr>
+              <a:t>有限狀態機</a:t>
+            </a:r>
+            <a:endParaRPr lang="en-US" altLang="zh-TW" sz="2400" dirty="0">
+              <a:solidFill>
+                <a:srgbClr val="48A1AE"/>
+              </a:solidFill>
+              <a:latin typeface="Heiti TC Medium" pitchFamily="2" charset="-128"/>
+              <a:ea typeface="Heiti TC Medium" pitchFamily="2" charset="-128"/>
+            </a:endParaRPr>
+          </a:p>
+        </p:txBody>
+      </p:sp>
+      <p:grpSp>
+        <p:nvGrpSpPr>
+          <p:cNvPr id="149" name="群組 148">
+            <a:extLst>
+              <a:ext uri="{FF2B5EF4-FFF2-40B4-BE49-F238E27FC236}">
+                <a16:creationId xmlns:a16="http://schemas.microsoft.com/office/drawing/2014/main" id="{E15E0CC0-5A21-49FF-8FE5-97B655F0ED2C}"/>
+              </a:ext>
+            </a:extLst>
+          </p:cNvPr>
+          <p:cNvGrpSpPr/>
+          <p:nvPr/>
+        </p:nvGrpSpPr>
+        <p:grpSpPr>
+          <a:xfrm>
+            <a:off x="93814" y="1118892"/>
+            <a:ext cx="12004372" cy="5388361"/>
+            <a:chOff x="152423" y="1150103"/>
+            <a:chExt cx="12004372" cy="5388361"/>
+          </a:xfrm>
+        </p:grpSpPr>
+        <p:sp>
+          <p:nvSpPr>
+            <p:cNvPr id="112" name="橢圓 111">
+              <a:extLst>
+                <a:ext uri="{FF2B5EF4-FFF2-40B4-BE49-F238E27FC236}">
+                  <a16:creationId xmlns:a16="http://schemas.microsoft.com/office/drawing/2014/main" id="{8CC2E1C3-4697-4F76-B385-065C066A6ED7}"/>
+                </a:ext>
+              </a:extLst>
+            </p:cNvPr>
+            <p:cNvSpPr/>
+            <p:nvPr/>
+          </p:nvSpPr>
+          <p:spPr>
+            <a:xfrm>
+              <a:off x="2434497" y="3523541"/>
+              <a:ext cx="1606147" cy="1572655"/>
+            </a:xfrm>
+            <a:prstGeom prst="ellipse">
+              <a:avLst/>
+            </a:prstGeom>
+            <a:solidFill>
+              <a:schemeClr val="accent5">
+                <a:lumMod val="40000"/>
+                <a:lumOff val="60000"/>
+              </a:schemeClr>
+            </a:solidFill>
+          </p:spPr>
+          <p:style>
+            <a:lnRef idx="2">
+              <a:schemeClr val="accent1">
+                <a:shade val="50000"/>
+              </a:schemeClr>
+            </a:lnRef>
+            <a:fillRef idx="1">
+              <a:schemeClr val="accent1"/>
+            </a:fillRef>
+            <a:effectRef idx="0">
+              <a:schemeClr val="accent1"/>
+            </a:effectRef>
+            <a:fontRef idx="minor">
+              <a:schemeClr val="lt1"/>
+            </a:fontRef>
+          </p:style>
+          <p:txBody>
+            <a:bodyPr rtlCol="0" anchor="ctr"/>
+            <a:lstStyle/>
+            <a:p>
+              <a:pPr algn="ctr"/>
+              <a:r>
+                <a:rPr lang="en-US" altLang="zh-TW" sz="1600" dirty="0">
+                  <a:solidFill>
+                    <a:srgbClr val="5C727C"/>
+                  </a:solidFill>
+                  <a:latin typeface="微軟正黑體" panose="020B0604030504040204" pitchFamily="34" charset="-120"/>
+                  <a:ea typeface="微軟正黑體" panose="020B0604030504040204" pitchFamily="34" charset="-120"/>
+                </a:rPr>
+                <a:t>C=1</a:t>
+              </a:r>
+            </a:p>
+            <a:p>
+              <a:pPr algn="ctr"/>
+              <a:r>
+                <a:rPr lang="en-US" altLang="zh-TW" sz="1600" dirty="0">
+                  <a:solidFill>
+                    <a:srgbClr val="5C727C"/>
+                  </a:solidFill>
+                  <a:latin typeface="微軟正黑體" panose="020B0604030504040204" pitchFamily="34" charset="-120"/>
+                  <a:ea typeface="微軟正黑體" panose="020B0604030504040204" pitchFamily="34" charset="-120"/>
+                </a:rPr>
+                <a:t>Device=0</a:t>
+              </a:r>
+            </a:p>
+            <a:p>
+              <a:pPr algn="ctr"/>
+              <a:r>
+                <a:rPr lang="en-US" altLang="zh-TW" sz="1600" dirty="0">
+                  <a:solidFill>
+                    <a:srgbClr val="5C727C"/>
+                  </a:solidFill>
+                  <a:latin typeface="微軟正黑體" panose="020B0604030504040204" pitchFamily="34" charset="-120"/>
+                  <a:ea typeface="微軟正黑體" panose="020B0604030504040204" pitchFamily="34" charset="-120"/>
+                </a:rPr>
+                <a:t>Waiting</a:t>
+              </a:r>
+            </a:p>
+            <a:p>
+              <a:pPr algn="ctr"/>
+              <a:r>
+                <a:rPr lang="en-US" altLang="zh-TW" sz="1600" dirty="0">
+                  <a:solidFill>
+                    <a:srgbClr val="5C727C"/>
+                  </a:solidFill>
+                  <a:latin typeface="微軟正黑體" panose="020B0604030504040204" pitchFamily="34" charset="-120"/>
+                  <a:ea typeface="微軟正黑體" panose="020B0604030504040204" pitchFamily="34" charset="-120"/>
+                </a:rPr>
+                <a:t>Device</a:t>
+              </a:r>
+              <a:endParaRPr lang="zh-TW" altLang="en-US" sz="1600" dirty="0">
+                <a:solidFill>
+                  <a:srgbClr val="5C727C"/>
+                </a:solidFill>
+                <a:latin typeface="微軟正黑體" panose="020B0604030504040204" pitchFamily="34" charset="-120"/>
+                <a:ea typeface="微軟正黑體" panose="020B0604030504040204" pitchFamily="34" charset="-120"/>
+              </a:endParaRPr>
+            </a:p>
+          </p:txBody>
+        </p:sp>
+        <p:sp>
+          <p:nvSpPr>
+            <p:cNvPr id="113" name="橢圓 112">
+              <a:extLst>
+                <a:ext uri="{FF2B5EF4-FFF2-40B4-BE49-F238E27FC236}">
+                  <a16:creationId xmlns:a16="http://schemas.microsoft.com/office/drawing/2014/main" id="{CFA9DD46-1BE7-4A35-9BC5-9DDC39995D3E}"/>
+                </a:ext>
+              </a:extLst>
+            </p:cNvPr>
+            <p:cNvSpPr/>
+            <p:nvPr/>
+          </p:nvSpPr>
+          <p:spPr>
+            <a:xfrm>
+              <a:off x="10550648" y="3523539"/>
+              <a:ext cx="1606147" cy="1572655"/>
+            </a:xfrm>
+            <a:prstGeom prst="ellipse">
+              <a:avLst/>
+            </a:prstGeom>
+            <a:solidFill>
+              <a:schemeClr val="accent5">
+                <a:lumMod val="40000"/>
+                <a:lumOff val="60000"/>
+              </a:schemeClr>
+            </a:solidFill>
+          </p:spPr>
+          <p:style>
+            <a:lnRef idx="2">
+              <a:schemeClr val="accent1">
+                <a:shade val="50000"/>
+              </a:schemeClr>
+            </a:lnRef>
+            <a:fillRef idx="1">
+              <a:schemeClr val="accent1"/>
+            </a:fillRef>
+            <a:effectRef idx="0">
+              <a:schemeClr val="accent1"/>
+            </a:effectRef>
+            <a:fontRef idx="minor">
+              <a:schemeClr val="lt1"/>
+            </a:fontRef>
+          </p:style>
+          <p:txBody>
+            <a:bodyPr rtlCol="0" anchor="ctr"/>
+            <a:lstStyle/>
+            <a:p>
+              <a:pPr algn="ctr"/>
+              <a:r>
+                <a:rPr lang="zh-TW" altLang="en-US" sz="1600" dirty="0">
+                  <a:solidFill>
+                    <a:srgbClr val="5C727C"/>
+                  </a:solidFill>
+                  <a:latin typeface="微軟正黑體" panose="020B0604030504040204" pitchFamily="34" charset="-120"/>
+                  <a:ea typeface="微軟正黑體" panose="020B0604030504040204" pitchFamily="34" charset="-120"/>
+                </a:rPr>
+                <a:t>顯示</a:t>
+              </a:r>
+              <a:r>
+                <a:rPr lang="en-US" altLang="zh-TW" sz="1600" dirty="0" err="1">
+                  <a:solidFill>
+                    <a:srgbClr val="5C727C"/>
+                  </a:solidFill>
+                  <a:latin typeface="微軟正黑體" panose="020B0604030504040204" pitchFamily="34" charset="-120"/>
+                  <a:ea typeface="微軟正黑體" panose="020B0604030504040204" pitchFamily="34" charset="-120"/>
+                </a:rPr>
+                <a:t>QRCode</a:t>
+              </a:r>
+              <a:endParaRPr lang="zh-TW" altLang="en-US" sz="1600" dirty="0">
+                <a:solidFill>
+                  <a:srgbClr val="5C727C"/>
+                </a:solidFill>
+                <a:latin typeface="微軟正黑體" panose="020B0604030504040204" pitchFamily="34" charset="-120"/>
+                <a:ea typeface="微軟正黑體" panose="020B0604030504040204" pitchFamily="34" charset="-120"/>
+              </a:endParaRPr>
+            </a:p>
+          </p:txBody>
+        </p:sp>
+        <p:sp>
+          <p:nvSpPr>
+            <p:cNvPr id="114" name="橢圓 113">
+              <a:extLst>
+                <a:ext uri="{FF2B5EF4-FFF2-40B4-BE49-F238E27FC236}">
+                  <a16:creationId xmlns:a16="http://schemas.microsoft.com/office/drawing/2014/main" id="{E6B23D89-DFBE-46A1-961E-B50A565F6292}"/>
+                </a:ext>
+              </a:extLst>
+            </p:cNvPr>
+            <p:cNvSpPr/>
+            <p:nvPr/>
+          </p:nvSpPr>
+          <p:spPr>
+            <a:xfrm>
+              <a:off x="8479348" y="3523539"/>
+              <a:ext cx="1606147" cy="1572655"/>
+            </a:xfrm>
+            <a:prstGeom prst="ellipse">
+              <a:avLst/>
+            </a:prstGeom>
+            <a:solidFill>
+              <a:schemeClr val="accent5">
+                <a:lumMod val="40000"/>
+                <a:lumOff val="60000"/>
+              </a:schemeClr>
+            </a:solidFill>
+          </p:spPr>
+          <p:style>
+            <a:lnRef idx="2">
+              <a:schemeClr val="accent1">
+                <a:shade val="50000"/>
+              </a:schemeClr>
+            </a:lnRef>
+            <a:fillRef idx="1">
+              <a:schemeClr val="accent1"/>
+            </a:fillRef>
+            <a:effectRef idx="0">
+              <a:schemeClr val="accent1"/>
+            </a:effectRef>
+            <a:fontRef idx="minor">
+              <a:schemeClr val="lt1"/>
+            </a:fontRef>
+          </p:style>
+          <p:txBody>
+            <a:bodyPr rtlCol="0" anchor="ctr"/>
+            <a:lstStyle/>
+            <a:p>
+              <a:pPr algn="ctr"/>
+              <a:r>
+                <a:rPr lang="en-US" altLang="zh-TW" sz="1600" dirty="0">
+                  <a:solidFill>
+                    <a:srgbClr val="5C727C"/>
+                  </a:solidFill>
+                </a:rPr>
+                <a:t>C=1</a:t>
+              </a:r>
+            </a:p>
+            <a:p>
+              <a:pPr algn="ctr"/>
+              <a:r>
+                <a:rPr lang="en-US" altLang="zh-TW" sz="1600" dirty="0">
+                  <a:solidFill>
+                    <a:srgbClr val="5C727C"/>
+                  </a:solidFill>
+                </a:rPr>
+                <a:t>T=1</a:t>
+              </a:r>
+            </a:p>
+            <a:p>
+              <a:pPr algn="ctr"/>
+              <a:r>
+                <a:rPr lang="en-US" altLang="zh-TW" sz="1600" dirty="0">
+                  <a:solidFill>
+                    <a:srgbClr val="5C727C"/>
+                  </a:solidFill>
+                </a:rPr>
+                <a:t>W=1</a:t>
+              </a:r>
+            </a:p>
+            <a:p>
+              <a:pPr algn="ctr"/>
+              <a:r>
+                <a:rPr lang="en-US" altLang="zh-TW" sz="1600" dirty="0">
+                  <a:solidFill>
+                    <a:srgbClr val="5C727C"/>
+                  </a:solidFill>
+                </a:rPr>
+                <a:t>P=1</a:t>
+              </a:r>
+            </a:p>
+            <a:p>
+              <a:pPr algn="ctr"/>
+              <a:r>
+                <a:rPr lang="zh-TW" altLang="en-US" sz="1600" dirty="0">
+                  <a:solidFill>
+                    <a:srgbClr val="5C727C"/>
+                  </a:solidFill>
+                  <a:latin typeface="微軟正黑體" panose="020B0604030504040204" pitchFamily="34" charset="-120"/>
+                  <a:ea typeface="微軟正黑體" panose="020B0604030504040204" pitchFamily="34" charset="-120"/>
+                </a:rPr>
+                <a:t>說出數據</a:t>
+              </a:r>
+            </a:p>
+          </p:txBody>
+        </p:sp>
+        <p:sp>
+          <p:nvSpPr>
+            <p:cNvPr id="115" name="橢圓 114">
+              <a:extLst>
+                <a:ext uri="{FF2B5EF4-FFF2-40B4-BE49-F238E27FC236}">
+                  <a16:creationId xmlns:a16="http://schemas.microsoft.com/office/drawing/2014/main" id="{2197B0FD-8F1E-40BB-8E65-45FB9E4E4BB6}"/>
+                </a:ext>
+              </a:extLst>
+            </p:cNvPr>
+            <p:cNvSpPr/>
+            <p:nvPr/>
+          </p:nvSpPr>
+          <p:spPr>
+            <a:xfrm>
+              <a:off x="6660901" y="4723412"/>
+              <a:ext cx="1606147" cy="1572655"/>
+            </a:xfrm>
+            <a:prstGeom prst="ellipse">
+              <a:avLst/>
+            </a:prstGeom>
+            <a:solidFill>
+              <a:schemeClr val="accent5">
+                <a:lumMod val="40000"/>
+                <a:lumOff val="60000"/>
+              </a:schemeClr>
+            </a:solidFill>
+          </p:spPr>
+          <p:style>
+            <a:lnRef idx="2">
+              <a:schemeClr val="accent1">
+                <a:shade val="50000"/>
+              </a:schemeClr>
+            </a:lnRef>
+            <a:fillRef idx="1">
+              <a:schemeClr val="accent1"/>
+            </a:fillRef>
+            <a:effectRef idx="0">
+              <a:schemeClr val="accent1"/>
+            </a:effectRef>
+            <a:fontRef idx="minor">
+              <a:schemeClr val="lt1"/>
+            </a:fontRef>
+          </p:style>
+          <p:txBody>
+            <a:bodyPr rtlCol="0" anchor="ctr"/>
+            <a:lstStyle/>
+            <a:p>
+              <a:pPr algn="ctr"/>
+              <a:r>
+                <a:rPr lang="en-US" altLang="zh-TW" sz="1600" dirty="0">
+                  <a:solidFill>
+                    <a:srgbClr val="5C727C"/>
+                  </a:solidFill>
+                </a:rPr>
+                <a:t>C=1</a:t>
+              </a:r>
+            </a:p>
+            <a:p>
+              <a:pPr algn="ctr"/>
+              <a:r>
+                <a:rPr lang="en-US" altLang="zh-TW" sz="1600" dirty="0">
+                  <a:solidFill>
+                    <a:srgbClr val="5C727C"/>
+                  </a:solidFill>
+                </a:rPr>
+                <a:t>T=1</a:t>
+              </a:r>
+            </a:p>
+            <a:p>
+              <a:pPr algn="ctr"/>
+              <a:r>
+                <a:rPr lang="en-US" altLang="zh-TW" sz="1600" dirty="0">
+                  <a:solidFill>
+                    <a:srgbClr val="5C727C"/>
+                  </a:solidFill>
+                </a:rPr>
+                <a:t>P=1</a:t>
+              </a:r>
+            </a:p>
+            <a:p>
+              <a:pPr algn="ctr"/>
+              <a:r>
+                <a:rPr lang="zh-TW" altLang="en-US" sz="1600" dirty="0">
+                  <a:solidFill>
+                    <a:srgbClr val="5C727C"/>
+                  </a:solidFill>
+                  <a:latin typeface="微軟正黑體" panose="020B0604030504040204" pitchFamily="34" charset="-120"/>
+                  <a:ea typeface="微軟正黑體" panose="020B0604030504040204" pitchFamily="34" charset="-120"/>
+                </a:rPr>
+                <a:t>說出數據</a:t>
+              </a:r>
+            </a:p>
+          </p:txBody>
+        </p:sp>
+        <p:sp>
+          <p:nvSpPr>
+            <p:cNvPr id="116" name="橢圓 115">
+              <a:extLst>
+                <a:ext uri="{FF2B5EF4-FFF2-40B4-BE49-F238E27FC236}">
+                  <a16:creationId xmlns:a16="http://schemas.microsoft.com/office/drawing/2014/main" id="{4F593B8E-3C8B-45D3-A439-A46439BAD9CE}"/>
+                </a:ext>
+              </a:extLst>
+            </p:cNvPr>
+            <p:cNvSpPr/>
+            <p:nvPr/>
+          </p:nvSpPr>
+          <p:spPr>
+            <a:xfrm>
+              <a:off x="6651887" y="1966921"/>
+              <a:ext cx="1606147" cy="1572655"/>
+            </a:xfrm>
+            <a:prstGeom prst="ellipse">
+              <a:avLst/>
+            </a:prstGeom>
+            <a:solidFill>
+              <a:schemeClr val="accent5">
+                <a:lumMod val="40000"/>
+                <a:lumOff val="60000"/>
+              </a:schemeClr>
+            </a:solidFill>
+          </p:spPr>
+          <p:style>
+            <a:lnRef idx="2">
+              <a:schemeClr val="accent1">
+                <a:shade val="50000"/>
+              </a:schemeClr>
+            </a:lnRef>
+            <a:fillRef idx="1">
+              <a:schemeClr val="accent1"/>
+            </a:fillRef>
+            <a:effectRef idx="0">
+              <a:schemeClr val="accent1"/>
+            </a:effectRef>
+            <a:fontRef idx="minor">
+              <a:schemeClr val="lt1"/>
+            </a:fontRef>
+          </p:style>
+          <p:txBody>
+            <a:bodyPr rtlCol="0" anchor="ctr"/>
+            <a:lstStyle/>
+            <a:p>
+              <a:pPr algn="ctr"/>
+              <a:r>
+                <a:rPr lang="en-US" altLang="zh-TW" sz="1600" dirty="0">
+                  <a:solidFill>
+                    <a:srgbClr val="5C727C"/>
+                  </a:solidFill>
+                  <a:latin typeface="微軟正黑體" panose="020B0604030504040204" pitchFamily="34" charset="-120"/>
+                  <a:ea typeface="微軟正黑體" panose="020B0604030504040204" pitchFamily="34" charset="-120"/>
+                </a:rPr>
+                <a:t>C=1</a:t>
+              </a:r>
+            </a:p>
+            <a:p>
+              <a:pPr algn="ctr"/>
+              <a:r>
+                <a:rPr lang="en-US" altLang="zh-TW" sz="1600" dirty="0">
+                  <a:solidFill>
+                    <a:srgbClr val="5C727C"/>
+                  </a:solidFill>
+                  <a:latin typeface="微軟正黑體" panose="020B0604030504040204" pitchFamily="34" charset="-120"/>
+                  <a:ea typeface="微軟正黑體" panose="020B0604030504040204" pitchFamily="34" charset="-120"/>
+                </a:rPr>
+                <a:t>T=1</a:t>
+              </a:r>
+            </a:p>
+            <a:p>
+              <a:pPr algn="ctr"/>
+              <a:r>
+                <a:rPr lang="en-US" altLang="zh-TW" sz="1600" dirty="0">
+                  <a:solidFill>
+                    <a:srgbClr val="5C727C"/>
+                  </a:solidFill>
+                  <a:latin typeface="微軟正黑體" panose="020B0604030504040204" pitchFamily="34" charset="-120"/>
+                  <a:ea typeface="微軟正黑體" panose="020B0604030504040204" pitchFamily="34" charset="-120"/>
+                </a:rPr>
+                <a:t>W=1</a:t>
+              </a:r>
+            </a:p>
+            <a:p>
+              <a:pPr algn="ctr"/>
+              <a:r>
+                <a:rPr lang="zh-TW" altLang="en-US" sz="1600" dirty="0">
+                  <a:solidFill>
+                    <a:srgbClr val="5C727C"/>
+                  </a:solidFill>
+                  <a:latin typeface="微軟正黑體" panose="020B0604030504040204" pitchFamily="34" charset="-120"/>
+                  <a:ea typeface="微軟正黑體" panose="020B0604030504040204" pitchFamily="34" charset="-120"/>
+                </a:rPr>
+                <a:t>說出數據</a:t>
+              </a:r>
+            </a:p>
+          </p:txBody>
+        </p:sp>
+        <p:sp>
+          <p:nvSpPr>
+            <p:cNvPr id="117" name="橢圓 116">
+              <a:extLst>
+                <a:ext uri="{FF2B5EF4-FFF2-40B4-BE49-F238E27FC236}">
+                  <a16:creationId xmlns:a16="http://schemas.microsoft.com/office/drawing/2014/main" id="{64B6A4FB-F5F1-49F0-B914-E8270892090B}"/>
+                </a:ext>
+              </a:extLst>
+            </p:cNvPr>
+            <p:cNvSpPr/>
+            <p:nvPr/>
+          </p:nvSpPr>
+          <p:spPr>
+            <a:xfrm>
+              <a:off x="4790711" y="3529892"/>
+              <a:ext cx="1606147" cy="1572655"/>
+            </a:xfrm>
+            <a:prstGeom prst="ellipse">
+              <a:avLst/>
+            </a:prstGeom>
+            <a:solidFill>
+              <a:schemeClr val="accent5">
+                <a:lumMod val="40000"/>
+                <a:lumOff val="60000"/>
+              </a:schemeClr>
+            </a:solidFill>
+          </p:spPr>
+          <p:style>
+            <a:lnRef idx="2">
+              <a:schemeClr val="accent1">
+                <a:shade val="50000"/>
+              </a:schemeClr>
+            </a:lnRef>
+            <a:fillRef idx="1">
+              <a:schemeClr val="accent1"/>
+            </a:fillRef>
+            <a:effectRef idx="0">
+              <a:schemeClr val="accent1"/>
+            </a:effectRef>
+            <a:fontRef idx="minor">
+              <a:schemeClr val="lt1"/>
+            </a:fontRef>
+          </p:style>
+          <p:txBody>
+            <a:bodyPr rtlCol="0" anchor="ctr"/>
+            <a:lstStyle/>
+            <a:p>
+              <a:pPr algn="ctr"/>
+              <a:r>
+                <a:rPr lang="en-US" altLang="zh-TW" sz="1600" dirty="0">
+                  <a:solidFill>
+                    <a:srgbClr val="5C727C"/>
+                  </a:solidFill>
+                  <a:latin typeface="微軟正黑體" panose="020B0604030504040204" pitchFamily="34" charset="-120"/>
+                  <a:ea typeface="微軟正黑體" panose="020B0604030504040204" pitchFamily="34" charset="-120"/>
+                </a:rPr>
+                <a:t>C=1</a:t>
+              </a:r>
+            </a:p>
+            <a:p>
+              <a:pPr algn="ctr"/>
+              <a:r>
+                <a:rPr lang="en-US" altLang="zh-TW" sz="1600" dirty="0">
+                  <a:solidFill>
+                    <a:srgbClr val="5C727C"/>
+                  </a:solidFill>
+                  <a:latin typeface="微軟正黑體" panose="020B0604030504040204" pitchFamily="34" charset="-120"/>
+                  <a:ea typeface="微軟正黑體" panose="020B0604030504040204" pitchFamily="34" charset="-120"/>
+                </a:rPr>
+                <a:t>T=0</a:t>
+              </a:r>
+            </a:p>
+            <a:p>
+              <a:pPr algn="ctr"/>
+              <a:r>
+                <a:rPr lang="zh-TW" altLang="en-US" sz="1600" dirty="0">
+                  <a:solidFill>
+                    <a:srgbClr val="5C727C"/>
+                  </a:solidFill>
+                  <a:latin typeface="微軟正黑體" panose="020B0604030504040204" pitchFamily="34" charset="-120"/>
+                  <a:ea typeface="微軟正黑體" panose="020B0604030504040204" pitchFamily="34" charset="-120"/>
+                </a:rPr>
+                <a:t>說出數據</a:t>
+              </a:r>
+              <a:endParaRPr lang="en-US" altLang="zh-TW" sz="1600" dirty="0">
+                <a:solidFill>
+                  <a:srgbClr val="5C727C"/>
+                </a:solidFill>
+                <a:latin typeface="微軟正黑體" panose="020B0604030504040204" pitchFamily="34" charset="-120"/>
+                <a:ea typeface="微軟正黑體" panose="020B0604030504040204" pitchFamily="34" charset="-120"/>
+              </a:endParaRPr>
+            </a:p>
+          </p:txBody>
+        </p:sp>
+        <p:sp>
+          <p:nvSpPr>
+            <p:cNvPr id="118" name="橢圓 117">
+              <a:extLst>
+                <a:ext uri="{FF2B5EF4-FFF2-40B4-BE49-F238E27FC236}">
+                  <a16:creationId xmlns:a16="http://schemas.microsoft.com/office/drawing/2014/main" id="{1A77F3C9-D56B-4D8A-9046-9A54FF5116A6}"/>
+                </a:ext>
+              </a:extLst>
+            </p:cNvPr>
+            <p:cNvSpPr/>
+            <p:nvPr/>
+          </p:nvSpPr>
+          <p:spPr>
+            <a:xfrm>
+              <a:off x="152423" y="3523541"/>
+              <a:ext cx="1606147" cy="1572655"/>
+            </a:xfrm>
+            <a:prstGeom prst="ellipse">
+              <a:avLst/>
+            </a:prstGeom>
+            <a:solidFill>
+              <a:schemeClr val="accent5">
+                <a:lumMod val="40000"/>
+                <a:lumOff val="60000"/>
+              </a:schemeClr>
+            </a:solidFill>
+          </p:spPr>
+          <p:style>
+            <a:lnRef idx="2">
+              <a:schemeClr val="accent1">
+                <a:shade val="50000"/>
+              </a:schemeClr>
+            </a:lnRef>
+            <a:fillRef idx="1">
+              <a:schemeClr val="accent1"/>
+            </a:fillRef>
+            <a:effectRef idx="0">
+              <a:schemeClr val="accent1"/>
+            </a:effectRef>
+            <a:fontRef idx="minor">
+              <a:schemeClr val="lt1"/>
+            </a:fontRef>
+          </p:style>
+          <p:txBody>
+            <a:bodyPr rtlCol="0" anchor="ctr"/>
+            <a:lstStyle/>
+            <a:p>
+              <a:pPr algn="ctr"/>
+              <a:r>
+                <a:rPr lang="en-US" altLang="zh-TW" sz="1600" dirty="0">
+                  <a:solidFill>
+                    <a:srgbClr val="5C727C"/>
+                  </a:solidFill>
+                  <a:latin typeface="微軟正黑體" panose="020B0604030504040204" pitchFamily="34" charset="-120"/>
+                  <a:ea typeface="微軟正黑體" panose="020B0604030504040204" pitchFamily="34" charset="-120"/>
+                </a:rPr>
+                <a:t>Waiting</a:t>
+              </a:r>
+            </a:p>
+            <a:p>
+              <a:pPr algn="ctr"/>
+              <a:r>
+                <a:rPr lang="en-US" altLang="zh-TW" sz="1600" dirty="0">
+                  <a:solidFill>
+                    <a:srgbClr val="5C727C"/>
+                  </a:solidFill>
+                  <a:latin typeface="微軟正黑體" panose="020B0604030504040204" pitchFamily="34" charset="-120"/>
+                  <a:ea typeface="微軟正黑體" panose="020B0604030504040204" pitchFamily="34" charset="-120"/>
+                </a:rPr>
+                <a:t>Card</a:t>
+              </a:r>
+              <a:endParaRPr lang="zh-TW" altLang="en-US" sz="1600" dirty="0">
+                <a:solidFill>
+                  <a:srgbClr val="5C727C"/>
+                </a:solidFill>
+                <a:latin typeface="微軟正黑體" panose="020B0604030504040204" pitchFamily="34" charset="-120"/>
+                <a:ea typeface="微軟正黑體" panose="020B0604030504040204" pitchFamily="34" charset="-120"/>
+              </a:endParaRPr>
+            </a:p>
+          </p:txBody>
+        </p:sp>
+        <p:cxnSp>
+          <p:nvCxnSpPr>
+            <p:cNvPr id="119" name="直線單箭頭接點 118">
+              <a:extLst>
+                <a:ext uri="{FF2B5EF4-FFF2-40B4-BE49-F238E27FC236}">
+                  <a16:creationId xmlns:a16="http://schemas.microsoft.com/office/drawing/2014/main" id="{493B9414-4091-414A-9D38-398C6F3A2A30}"/>
+                </a:ext>
+              </a:extLst>
+            </p:cNvPr>
+            <p:cNvCxnSpPr>
+              <a:cxnSpLocks/>
+              <a:stCxn id="118" idx="7"/>
+              <a:endCxn id="112" idx="1"/>
+            </p:cNvCxnSpPr>
+            <p:nvPr/>
+          </p:nvCxnSpPr>
+          <p:spPr>
+            <a:xfrm>
+              <a:off x="1523355" y="3753851"/>
+              <a:ext cx="1146357" cy="0"/>
+            </a:xfrm>
+            <a:prstGeom prst="straightConnector1">
+              <a:avLst/>
+            </a:prstGeom>
+            <a:ln>
+              <a:tailEnd type="triangle"/>
+            </a:ln>
+          </p:spPr>
+          <p:style>
+            <a:lnRef idx="1">
+              <a:schemeClr val="accent1"/>
+            </a:lnRef>
+            <a:fillRef idx="0">
+              <a:schemeClr val="accent1"/>
+            </a:fillRef>
+            <a:effectRef idx="0">
+              <a:schemeClr val="accent1"/>
+            </a:effectRef>
+            <a:fontRef idx="minor">
+              <a:schemeClr val="tx1"/>
+            </a:fontRef>
+          </p:style>
+        </p:cxnSp>
+        <p:cxnSp>
+          <p:nvCxnSpPr>
+            <p:cNvPr id="120" name="直線單箭頭接點 119">
+              <a:extLst>
+                <a:ext uri="{FF2B5EF4-FFF2-40B4-BE49-F238E27FC236}">
+                  <a16:creationId xmlns:a16="http://schemas.microsoft.com/office/drawing/2014/main" id="{82B182B3-56FB-40EB-80BF-0DF98B1E6A04}"/>
+                </a:ext>
+              </a:extLst>
+            </p:cNvPr>
+            <p:cNvCxnSpPr>
+              <a:cxnSpLocks/>
+              <a:stCxn id="112" idx="3"/>
+              <a:endCxn id="118" idx="5"/>
+            </p:cNvCxnSpPr>
+            <p:nvPr/>
+          </p:nvCxnSpPr>
+          <p:spPr>
+            <a:xfrm flipH="1">
+              <a:off x="1523355" y="4865886"/>
+              <a:ext cx="1146357" cy="0"/>
+            </a:xfrm>
+            <a:prstGeom prst="straightConnector1">
+              <a:avLst/>
+            </a:prstGeom>
+            <a:ln>
+              <a:tailEnd type="triangle"/>
+            </a:ln>
+          </p:spPr>
+          <p:style>
+            <a:lnRef idx="1">
+              <a:schemeClr val="accent1"/>
+            </a:lnRef>
+            <a:fillRef idx="0">
+              <a:schemeClr val="accent1"/>
+            </a:fillRef>
+            <a:effectRef idx="0">
+              <a:schemeClr val="accent1"/>
+            </a:effectRef>
+            <a:fontRef idx="minor">
+              <a:schemeClr val="tx1"/>
+            </a:fontRef>
+          </p:style>
+        </p:cxnSp>
+        <p:sp>
+          <p:nvSpPr>
+            <p:cNvPr id="121" name="文字方塊 120">
+              <a:extLst>
+                <a:ext uri="{FF2B5EF4-FFF2-40B4-BE49-F238E27FC236}">
+                  <a16:creationId xmlns:a16="http://schemas.microsoft.com/office/drawing/2014/main" id="{963D46A8-DEA2-4FC3-9219-2C82C4110D50}"/>
+                </a:ext>
+              </a:extLst>
+            </p:cNvPr>
+            <p:cNvSpPr txBox="1"/>
+            <p:nvPr/>
+          </p:nvSpPr>
+          <p:spPr>
+            <a:xfrm>
+              <a:off x="1485011" y="3415296"/>
+              <a:ext cx="1210588" cy="338554"/>
+            </a:xfrm>
+            <a:prstGeom prst="rect">
+              <a:avLst/>
+            </a:prstGeom>
+            <a:noFill/>
+          </p:spPr>
+          <p:txBody>
+            <a:bodyPr wrap="none" rtlCol="0">
+              <a:spAutoFit/>
+            </a:bodyPr>
+            <a:lstStyle/>
+            <a:p>
+              <a:r>
+                <a:rPr lang="zh-TW" altLang="en-US" sz="1600" dirty="0">
+                  <a:solidFill>
+                    <a:srgbClr val="5C727C"/>
+                  </a:solidFill>
+                  <a:latin typeface="微軟正黑體" panose="020B0604030504040204" pitchFamily="34" charset="-120"/>
+                  <a:ea typeface="微軟正黑體" panose="020B0604030504040204" pitchFamily="34" charset="-120"/>
+                </a:rPr>
+                <a:t>插入健保卡</a:t>
+              </a:r>
+            </a:p>
+          </p:txBody>
+        </p:sp>
+        <p:sp>
+          <p:nvSpPr>
+            <p:cNvPr id="122" name="文字方塊 121">
+              <a:extLst>
+                <a:ext uri="{FF2B5EF4-FFF2-40B4-BE49-F238E27FC236}">
+                  <a16:creationId xmlns:a16="http://schemas.microsoft.com/office/drawing/2014/main" id="{70A6C9A9-BD35-4417-B033-5941F4F8AD9D}"/>
+                </a:ext>
+              </a:extLst>
+            </p:cNvPr>
+            <p:cNvSpPr txBox="1"/>
+            <p:nvPr/>
+          </p:nvSpPr>
+          <p:spPr>
+            <a:xfrm>
+              <a:off x="1485011" y="4900115"/>
+              <a:ext cx="1210588" cy="338554"/>
+            </a:xfrm>
+            <a:prstGeom prst="rect">
+              <a:avLst/>
+            </a:prstGeom>
+            <a:noFill/>
+          </p:spPr>
+          <p:txBody>
+            <a:bodyPr wrap="none" rtlCol="0">
+              <a:spAutoFit/>
+            </a:bodyPr>
+            <a:lstStyle/>
+            <a:p>
+              <a:r>
+                <a:rPr lang="zh-TW" altLang="en-US" sz="1600" dirty="0">
+                  <a:solidFill>
+                    <a:srgbClr val="5C727C"/>
+                  </a:solidFill>
+                  <a:latin typeface="微軟正黑體" panose="020B0604030504040204" pitchFamily="34" charset="-120"/>
+                  <a:ea typeface="微軟正黑體" panose="020B0604030504040204" pitchFamily="34" charset="-120"/>
+                </a:rPr>
+                <a:t>拔除健保卡</a:t>
+              </a:r>
+            </a:p>
+          </p:txBody>
+        </p:sp>
+        <p:cxnSp>
+          <p:nvCxnSpPr>
+            <p:cNvPr id="123" name="直線單箭頭接點 122">
+              <a:extLst>
+                <a:ext uri="{FF2B5EF4-FFF2-40B4-BE49-F238E27FC236}">
+                  <a16:creationId xmlns:a16="http://schemas.microsoft.com/office/drawing/2014/main" id="{476E2B8B-50AB-4EDF-A57C-A167318FCA2B}"/>
+                </a:ext>
+              </a:extLst>
+            </p:cNvPr>
+            <p:cNvCxnSpPr>
+              <a:cxnSpLocks/>
+              <a:stCxn id="112" idx="6"/>
+              <a:endCxn id="117" idx="2"/>
+            </p:cNvCxnSpPr>
+            <p:nvPr/>
+          </p:nvCxnSpPr>
+          <p:spPr>
+            <a:xfrm>
+              <a:off x="4040644" y="4309869"/>
+              <a:ext cx="750067" cy="6351"/>
+            </a:xfrm>
+            <a:prstGeom prst="straightConnector1">
+              <a:avLst/>
+            </a:prstGeom>
+            <a:ln>
+              <a:tailEnd type="triangle"/>
+            </a:ln>
+          </p:spPr>
+          <p:style>
+            <a:lnRef idx="1">
+              <a:schemeClr val="accent1"/>
+            </a:lnRef>
+            <a:fillRef idx="0">
+              <a:schemeClr val="accent1"/>
+            </a:fillRef>
+            <a:effectRef idx="0">
+              <a:schemeClr val="accent1"/>
+            </a:effectRef>
+            <a:fontRef idx="minor">
+              <a:schemeClr val="tx1"/>
+            </a:fontRef>
+          </p:style>
+        </p:cxnSp>
+        <p:sp>
+          <p:nvSpPr>
+            <p:cNvPr id="124" name="文字方塊 123">
+              <a:extLst>
+                <a:ext uri="{FF2B5EF4-FFF2-40B4-BE49-F238E27FC236}">
+                  <a16:creationId xmlns:a16="http://schemas.microsoft.com/office/drawing/2014/main" id="{11456E42-67E7-4CDA-A8BC-B267F1EAB9B4}"/>
+                </a:ext>
+              </a:extLst>
+            </p:cNvPr>
+            <p:cNvSpPr txBox="1"/>
+            <p:nvPr/>
+          </p:nvSpPr>
+          <p:spPr>
+            <a:xfrm>
+              <a:off x="4012816" y="3731444"/>
+              <a:ext cx="800219" cy="584775"/>
+            </a:xfrm>
+            <a:prstGeom prst="rect">
+              <a:avLst/>
+            </a:prstGeom>
+            <a:noFill/>
+          </p:spPr>
+          <p:txBody>
+            <a:bodyPr wrap="none" rtlCol="0">
+              <a:spAutoFit/>
+            </a:bodyPr>
+            <a:lstStyle/>
+            <a:p>
+              <a:r>
+                <a:rPr lang="zh-TW" altLang="en-US" sz="1600" dirty="0">
+                  <a:solidFill>
+                    <a:srgbClr val="5C727C"/>
+                  </a:solidFill>
+                  <a:latin typeface="微軟正黑體" panose="020B0604030504040204" pitchFamily="34" charset="-120"/>
+                  <a:ea typeface="微軟正黑體" panose="020B0604030504040204" pitchFamily="34" charset="-120"/>
+                </a:rPr>
+                <a:t>成功量</a:t>
+              </a:r>
+              <a:endParaRPr lang="en-US" altLang="zh-TW" sz="1600" dirty="0">
+                <a:solidFill>
+                  <a:srgbClr val="5C727C"/>
+                </a:solidFill>
+                <a:latin typeface="微軟正黑體" panose="020B0604030504040204" pitchFamily="34" charset="-120"/>
+                <a:ea typeface="微軟正黑體" panose="020B0604030504040204" pitchFamily="34" charset="-120"/>
+              </a:endParaRPr>
+            </a:p>
+            <a:p>
+              <a:r>
+                <a:rPr lang="zh-TW" altLang="en-US" sz="1600" dirty="0">
+                  <a:solidFill>
+                    <a:srgbClr val="5C727C"/>
+                  </a:solidFill>
+                  <a:latin typeface="微軟正黑體" panose="020B0604030504040204" pitchFamily="34" charset="-120"/>
+                  <a:ea typeface="微軟正黑體" panose="020B0604030504040204" pitchFamily="34" charset="-120"/>
+                </a:rPr>
+                <a:t>測體溫</a:t>
+              </a:r>
+            </a:p>
+          </p:txBody>
+        </p:sp>
+        <p:cxnSp>
+          <p:nvCxnSpPr>
+            <p:cNvPr id="125" name="接點: 肘形 124">
+              <a:extLst>
+                <a:ext uri="{FF2B5EF4-FFF2-40B4-BE49-F238E27FC236}">
+                  <a16:creationId xmlns:a16="http://schemas.microsoft.com/office/drawing/2014/main" id="{785A8B56-0005-47B9-BDDB-46C094B61E3B}"/>
+                </a:ext>
+              </a:extLst>
+            </p:cNvPr>
+            <p:cNvCxnSpPr>
+              <a:cxnSpLocks/>
+              <a:stCxn id="117" idx="4"/>
+              <a:endCxn id="118" idx="4"/>
+            </p:cNvCxnSpPr>
+            <p:nvPr/>
+          </p:nvCxnSpPr>
+          <p:spPr>
+            <a:xfrm rot="5400000" flipH="1">
+              <a:off x="3271465" y="2780228"/>
+              <a:ext cx="6351" cy="4638288"/>
+            </a:xfrm>
+            <a:prstGeom prst="bentConnector3">
+              <a:avLst>
+                <a:gd name="adj1" fmla="val -3599433"/>
+              </a:avLst>
+            </a:prstGeom>
+            <a:ln>
+              <a:tailEnd type="triangle"/>
+            </a:ln>
+          </p:spPr>
+          <p:style>
+            <a:lnRef idx="1">
+              <a:schemeClr val="accent1"/>
+            </a:lnRef>
+            <a:fillRef idx="0">
+              <a:schemeClr val="accent1"/>
+            </a:fillRef>
+            <a:effectRef idx="0">
+              <a:schemeClr val="accent1"/>
+            </a:effectRef>
+            <a:fontRef idx="minor">
+              <a:schemeClr val="tx1"/>
+            </a:fontRef>
+          </p:style>
+        </p:cxnSp>
+        <p:sp>
+          <p:nvSpPr>
+            <p:cNvPr id="126" name="矩形 125">
+              <a:extLst>
+                <a:ext uri="{FF2B5EF4-FFF2-40B4-BE49-F238E27FC236}">
+                  <a16:creationId xmlns:a16="http://schemas.microsoft.com/office/drawing/2014/main" id="{050DBC55-B87A-4AD8-AA44-A3128C1A6DF6}"/>
+                </a:ext>
+              </a:extLst>
+            </p:cNvPr>
+            <p:cNvSpPr/>
+            <p:nvPr/>
+          </p:nvSpPr>
+          <p:spPr>
+            <a:xfrm>
+              <a:off x="3166686" y="5325074"/>
+              <a:ext cx="1210588" cy="338554"/>
+            </a:xfrm>
+            <a:prstGeom prst="rect">
+              <a:avLst/>
+            </a:prstGeom>
+          </p:spPr>
+          <p:txBody>
+            <a:bodyPr wrap="none">
+              <a:spAutoFit/>
+            </a:bodyPr>
+            <a:lstStyle/>
+            <a:p>
+              <a:r>
+                <a:rPr lang="zh-TW" altLang="en-US" sz="1600" dirty="0">
+                  <a:solidFill>
+                    <a:srgbClr val="5C727C"/>
+                  </a:solidFill>
+                  <a:latin typeface="微軟正黑體" panose="020B0604030504040204" pitchFamily="34" charset="-120"/>
+                  <a:ea typeface="微軟正黑體" panose="020B0604030504040204" pitchFamily="34" charset="-120"/>
+                </a:rPr>
+                <a:t>拔除健保卡</a:t>
+              </a:r>
+            </a:p>
+          </p:txBody>
+        </p:sp>
+        <p:cxnSp>
+          <p:nvCxnSpPr>
+            <p:cNvPr id="127" name="直線單箭頭接點 126">
+              <a:extLst>
+                <a:ext uri="{FF2B5EF4-FFF2-40B4-BE49-F238E27FC236}">
+                  <a16:creationId xmlns:a16="http://schemas.microsoft.com/office/drawing/2014/main" id="{B2BC797E-B459-4EEB-829E-773AC302F2E1}"/>
+                </a:ext>
+              </a:extLst>
+            </p:cNvPr>
+            <p:cNvCxnSpPr>
+              <a:stCxn id="117" idx="7"/>
+              <a:endCxn id="116" idx="2"/>
+            </p:cNvCxnSpPr>
+            <p:nvPr/>
+          </p:nvCxnSpPr>
+          <p:spPr>
+            <a:xfrm flipV="1">
+              <a:off x="6161643" y="2753249"/>
+              <a:ext cx="490244" cy="1006953"/>
+            </a:xfrm>
+            <a:prstGeom prst="straightConnector1">
+              <a:avLst/>
+            </a:prstGeom>
+            <a:ln>
+              <a:tailEnd type="triangle"/>
+            </a:ln>
+          </p:spPr>
+          <p:style>
+            <a:lnRef idx="1">
+              <a:schemeClr val="accent1"/>
+            </a:lnRef>
+            <a:fillRef idx="0">
+              <a:schemeClr val="accent1"/>
+            </a:fillRef>
+            <a:effectRef idx="0">
+              <a:schemeClr val="accent1"/>
+            </a:effectRef>
+            <a:fontRef idx="minor">
+              <a:schemeClr val="tx1"/>
+            </a:fontRef>
+          </p:style>
+        </p:cxnSp>
+        <p:cxnSp>
+          <p:nvCxnSpPr>
+            <p:cNvPr id="128" name="直線單箭頭接點 127">
+              <a:extLst>
+                <a:ext uri="{FF2B5EF4-FFF2-40B4-BE49-F238E27FC236}">
+                  <a16:creationId xmlns:a16="http://schemas.microsoft.com/office/drawing/2014/main" id="{17FE25A9-A64B-4E09-8B8F-FE19583FA283}"/>
+                </a:ext>
+              </a:extLst>
+            </p:cNvPr>
+            <p:cNvCxnSpPr>
+              <a:stCxn id="117" idx="5"/>
+              <a:endCxn id="115" idx="2"/>
+            </p:cNvCxnSpPr>
+            <p:nvPr/>
+          </p:nvCxnSpPr>
+          <p:spPr>
+            <a:xfrm>
+              <a:off x="6161643" y="4872237"/>
+              <a:ext cx="499258" cy="637503"/>
+            </a:xfrm>
+            <a:prstGeom prst="straightConnector1">
+              <a:avLst/>
+            </a:prstGeom>
+            <a:ln>
+              <a:tailEnd type="triangle"/>
+            </a:ln>
+          </p:spPr>
+          <p:style>
+            <a:lnRef idx="1">
+              <a:schemeClr val="accent1"/>
+            </a:lnRef>
+            <a:fillRef idx="0">
+              <a:schemeClr val="accent1"/>
+            </a:fillRef>
+            <a:effectRef idx="0">
+              <a:schemeClr val="accent1"/>
+            </a:effectRef>
+            <a:fontRef idx="minor">
+              <a:schemeClr val="tx1"/>
+            </a:fontRef>
+          </p:style>
+        </p:cxnSp>
+        <p:cxnSp>
+          <p:nvCxnSpPr>
+            <p:cNvPr id="129" name="接點: 肘形 128">
+              <a:extLst>
+                <a:ext uri="{FF2B5EF4-FFF2-40B4-BE49-F238E27FC236}">
+                  <a16:creationId xmlns:a16="http://schemas.microsoft.com/office/drawing/2014/main" id="{EC8E34CC-9574-41A9-A4A5-F71FF3D7BD6D}"/>
+                </a:ext>
+              </a:extLst>
+            </p:cNvPr>
+            <p:cNvCxnSpPr>
+              <a:stCxn id="117" idx="1"/>
+              <a:endCxn id="117" idx="7"/>
+            </p:cNvCxnSpPr>
+            <p:nvPr/>
+          </p:nvCxnSpPr>
+          <p:spPr>
+            <a:xfrm rot="5400000" flipH="1" flipV="1">
+              <a:off x="5593784" y="3192344"/>
+              <a:ext cx="12700" cy="1135717"/>
+            </a:xfrm>
+            <a:prstGeom prst="bentConnector3">
+              <a:avLst>
+                <a:gd name="adj1" fmla="val 3613465"/>
+              </a:avLst>
+            </a:prstGeom>
+            <a:ln>
+              <a:tailEnd type="triangle"/>
+            </a:ln>
+          </p:spPr>
+          <p:style>
+            <a:lnRef idx="1">
+              <a:schemeClr val="accent1"/>
+            </a:lnRef>
+            <a:fillRef idx="0">
+              <a:schemeClr val="accent1"/>
+            </a:fillRef>
+            <a:effectRef idx="0">
+              <a:schemeClr val="accent1"/>
+            </a:effectRef>
+            <a:fontRef idx="minor">
+              <a:schemeClr val="tx1"/>
+            </a:fontRef>
+          </p:style>
+        </p:cxnSp>
+        <p:sp>
+          <p:nvSpPr>
+            <p:cNvPr id="130" name="文字方塊 129">
+              <a:extLst>
+                <a:ext uri="{FF2B5EF4-FFF2-40B4-BE49-F238E27FC236}">
+                  <a16:creationId xmlns:a16="http://schemas.microsoft.com/office/drawing/2014/main" id="{EC250348-5D51-4AA2-8630-B461D96A6FD1}"/>
+                </a:ext>
+              </a:extLst>
+            </p:cNvPr>
+            <p:cNvSpPr txBox="1"/>
+            <p:nvPr/>
+          </p:nvSpPr>
+          <p:spPr>
+            <a:xfrm>
+              <a:off x="5163283" y="2697221"/>
+              <a:ext cx="800219" cy="584775"/>
+            </a:xfrm>
+            <a:prstGeom prst="rect">
+              <a:avLst/>
+            </a:prstGeom>
+            <a:noFill/>
+          </p:spPr>
+          <p:txBody>
+            <a:bodyPr wrap="none" rtlCol="0">
+              <a:spAutoFit/>
+            </a:bodyPr>
+            <a:lstStyle/>
+            <a:p>
+              <a:r>
+                <a:rPr lang="zh-TW" altLang="en-US" sz="1600" dirty="0">
+                  <a:solidFill>
+                    <a:srgbClr val="5C727C"/>
+                  </a:solidFill>
+                  <a:latin typeface="微軟正黑體" panose="020B0604030504040204" pitchFamily="34" charset="-120"/>
+                  <a:ea typeface="微軟正黑體" panose="020B0604030504040204" pitchFamily="34" charset="-120"/>
+                </a:rPr>
+                <a:t>重複量</a:t>
+              </a:r>
+              <a:endParaRPr lang="en-US" altLang="zh-TW" sz="1600" dirty="0">
+                <a:solidFill>
+                  <a:srgbClr val="5C727C"/>
+                </a:solidFill>
+                <a:latin typeface="微軟正黑體" panose="020B0604030504040204" pitchFamily="34" charset="-120"/>
+                <a:ea typeface="微軟正黑體" panose="020B0604030504040204" pitchFamily="34" charset="-120"/>
+              </a:endParaRPr>
+            </a:p>
+            <a:p>
+              <a:r>
+                <a:rPr lang="zh-TW" altLang="en-US" sz="1600" dirty="0">
+                  <a:solidFill>
+                    <a:srgbClr val="5C727C"/>
+                  </a:solidFill>
+                  <a:latin typeface="微軟正黑體" panose="020B0604030504040204" pitchFamily="34" charset="-120"/>
+                  <a:ea typeface="微軟正黑體" panose="020B0604030504040204" pitchFamily="34" charset="-120"/>
+                </a:rPr>
+                <a:t>測體溫</a:t>
+              </a:r>
+            </a:p>
+          </p:txBody>
+        </p:sp>
+        <p:cxnSp>
+          <p:nvCxnSpPr>
+            <p:cNvPr id="131" name="接點: 肘形 130">
+              <a:extLst>
+                <a:ext uri="{FF2B5EF4-FFF2-40B4-BE49-F238E27FC236}">
+                  <a16:creationId xmlns:a16="http://schemas.microsoft.com/office/drawing/2014/main" id="{F36E164A-D59E-4B33-866B-4B82BE6636F7}"/>
+                </a:ext>
+              </a:extLst>
+            </p:cNvPr>
+            <p:cNvCxnSpPr>
+              <a:stCxn id="116" idx="1"/>
+              <a:endCxn id="116" idx="7"/>
+            </p:cNvCxnSpPr>
+            <p:nvPr/>
+          </p:nvCxnSpPr>
+          <p:spPr>
+            <a:xfrm rot="5400000" flipH="1" flipV="1">
+              <a:off x="7454960" y="1629373"/>
+              <a:ext cx="12700" cy="1135717"/>
+            </a:xfrm>
+            <a:prstGeom prst="bentConnector3">
+              <a:avLst>
+                <a:gd name="adj1" fmla="val 3613465"/>
+              </a:avLst>
+            </a:prstGeom>
+            <a:ln>
+              <a:tailEnd type="triangle"/>
+            </a:ln>
+          </p:spPr>
+          <p:style>
+            <a:lnRef idx="1">
+              <a:schemeClr val="accent1"/>
+            </a:lnRef>
+            <a:fillRef idx="0">
+              <a:schemeClr val="accent1"/>
+            </a:fillRef>
+            <a:effectRef idx="0">
+              <a:schemeClr val="accent1"/>
+            </a:effectRef>
+            <a:fontRef idx="minor">
+              <a:schemeClr val="tx1"/>
+            </a:fontRef>
+          </p:style>
+        </p:cxnSp>
+        <p:cxnSp>
+          <p:nvCxnSpPr>
+            <p:cNvPr id="132" name="接點: 肘形 131">
+              <a:extLst>
+                <a:ext uri="{FF2B5EF4-FFF2-40B4-BE49-F238E27FC236}">
+                  <a16:creationId xmlns:a16="http://schemas.microsoft.com/office/drawing/2014/main" id="{442FC615-DEF4-42D2-9736-3D1B58542866}"/>
+                </a:ext>
+              </a:extLst>
+            </p:cNvPr>
+            <p:cNvCxnSpPr>
+              <a:stCxn id="115" idx="1"/>
+              <a:endCxn id="115" idx="7"/>
+            </p:cNvCxnSpPr>
+            <p:nvPr/>
+          </p:nvCxnSpPr>
+          <p:spPr>
+            <a:xfrm rot="5400000" flipH="1" flipV="1">
+              <a:off x="7463974" y="4385864"/>
+              <a:ext cx="12700" cy="1135717"/>
+            </a:xfrm>
+            <a:prstGeom prst="bentConnector3">
+              <a:avLst>
+                <a:gd name="adj1" fmla="val 3613465"/>
+              </a:avLst>
+            </a:prstGeom>
+            <a:ln>
+              <a:tailEnd type="triangle"/>
+            </a:ln>
+          </p:spPr>
+          <p:style>
+            <a:lnRef idx="1">
+              <a:schemeClr val="accent1"/>
+            </a:lnRef>
+            <a:fillRef idx="0">
+              <a:schemeClr val="accent1"/>
+            </a:fillRef>
+            <a:effectRef idx="0">
+              <a:schemeClr val="accent1"/>
+            </a:effectRef>
+            <a:fontRef idx="minor">
+              <a:schemeClr val="tx1"/>
+            </a:fontRef>
+          </p:style>
+        </p:cxnSp>
+        <p:sp>
+          <p:nvSpPr>
+            <p:cNvPr id="133" name="文字方塊 132">
+              <a:extLst>
+                <a:ext uri="{FF2B5EF4-FFF2-40B4-BE49-F238E27FC236}">
+                  <a16:creationId xmlns:a16="http://schemas.microsoft.com/office/drawing/2014/main" id="{BE0FEE62-F229-4CD3-B730-A15779D0693C}"/>
+                </a:ext>
+              </a:extLst>
+            </p:cNvPr>
+            <p:cNvSpPr txBox="1"/>
+            <p:nvPr/>
+          </p:nvSpPr>
+          <p:spPr>
+            <a:xfrm rot="17770279">
+              <a:off x="5973834" y="3298189"/>
+              <a:ext cx="1005403" cy="338554"/>
+            </a:xfrm>
+            <a:prstGeom prst="rect">
+              <a:avLst/>
+            </a:prstGeom>
+            <a:noFill/>
+          </p:spPr>
+          <p:txBody>
+            <a:bodyPr wrap="none" rtlCol="0">
+              <a:spAutoFit/>
+            </a:bodyPr>
+            <a:lstStyle/>
+            <a:p>
+              <a:r>
+                <a:rPr lang="zh-TW" altLang="en-US" sz="1600" dirty="0">
+                  <a:solidFill>
+                    <a:srgbClr val="5C727C"/>
+                  </a:solidFill>
+                  <a:latin typeface="微軟正黑體" panose="020B0604030504040204" pitchFamily="34" charset="-120"/>
+                  <a:ea typeface="微軟正黑體" panose="020B0604030504040204" pitchFamily="34" charset="-120"/>
+                </a:rPr>
+                <a:t>量測體重</a:t>
+              </a:r>
+            </a:p>
+          </p:txBody>
+        </p:sp>
+        <p:sp>
+          <p:nvSpPr>
+            <p:cNvPr id="134" name="文字方塊 133">
+              <a:extLst>
+                <a:ext uri="{FF2B5EF4-FFF2-40B4-BE49-F238E27FC236}">
+                  <a16:creationId xmlns:a16="http://schemas.microsoft.com/office/drawing/2014/main" id="{828B22FC-E390-43A4-BD65-BE12944C8B43}"/>
+                </a:ext>
+              </a:extLst>
+            </p:cNvPr>
+            <p:cNvSpPr txBox="1"/>
+            <p:nvPr/>
+          </p:nvSpPr>
+          <p:spPr>
+            <a:xfrm rot="3173348">
+              <a:off x="5794582" y="5148035"/>
+              <a:ext cx="1005403" cy="338554"/>
+            </a:xfrm>
+            <a:prstGeom prst="rect">
+              <a:avLst/>
+            </a:prstGeom>
+            <a:noFill/>
+          </p:spPr>
+          <p:txBody>
+            <a:bodyPr wrap="none" rtlCol="0">
+              <a:spAutoFit/>
+            </a:bodyPr>
+            <a:lstStyle/>
+            <a:p>
+              <a:r>
+                <a:rPr lang="zh-TW" altLang="en-US" sz="1600" dirty="0">
+                  <a:solidFill>
+                    <a:srgbClr val="5C727C"/>
+                  </a:solidFill>
+                  <a:latin typeface="微軟正黑體" panose="020B0604030504040204" pitchFamily="34" charset="-120"/>
+                  <a:ea typeface="微軟正黑體" panose="020B0604030504040204" pitchFamily="34" charset="-120"/>
+                </a:rPr>
+                <a:t>量測血壓</a:t>
+              </a:r>
+            </a:p>
+          </p:txBody>
+        </p:sp>
+        <p:sp>
+          <p:nvSpPr>
+            <p:cNvPr id="135" name="文字方塊 134">
+              <a:extLst>
+                <a:ext uri="{FF2B5EF4-FFF2-40B4-BE49-F238E27FC236}">
+                  <a16:creationId xmlns:a16="http://schemas.microsoft.com/office/drawing/2014/main" id="{E13FFC95-ED0D-4AC2-8D9C-92380E46732B}"/>
+                </a:ext>
+              </a:extLst>
+            </p:cNvPr>
+            <p:cNvSpPr txBox="1"/>
+            <p:nvPr/>
+          </p:nvSpPr>
+          <p:spPr>
+            <a:xfrm>
+              <a:off x="7071492" y="1150103"/>
+              <a:ext cx="800219" cy="584775"/>
+            </a:xfrm>
+            <a:prstGeom prst="rect">
+              <a:avLst/>
+            </a:prstGeom>
+            <a:noFill/>
+          </p:spPr>
+          <p:txBody>
+            <a:bodyPr wrap="none" rtlCol="0">
+              <a:spAutoFit/>
+            </a:bodyPr>
+            <a:lstStyle/>
+            <a:p>
+              <a:r>
+                <a:rPr lang="zh-TW" altLang="en-US" sz="1600" dirty="0">
+                  <a:solidFill>
+                    <a:srgbClr val="5C727C"/>
+                  </a:solidFill>
+                  <a:latin typeface="微軟正黑體" panose="020B0604030504040204" pitchFamily="34" charset="-120"/>
+                  <a:ea typeface="微軟正黑體" panose="020B0604030504040204" pitchFamily="34" charset="-120"/>
+                </a:rPr>
+                <a:t>重複量</a:t>
+              </a:r>
+              <a:endParaRPr lang="en-US" altLang="zh-TW" sz="1600" dirty="0">
+                <a:solidFill>
+                  <a:srgbClr val="5C727C"/>
+                </a:solidFill>
+                <a:latin typeface="微軟正黑體" panose="020B0604030504040204" pitchFamily="34" charset="-120"/>
+                <a:ea typeface="微軟正黑體" panose="020B0604030504040204" pitchFamily="34" charset="-120"/>
+              </a:endParaRPr>
+            </a:p>
+            <a:p>
+              <a:r>
+                <a:rPr lang="zh-TW" altLang="en-US" sz="1600" dirty="0">
+                  <a:solidFill>
+                    <a:srgbClr val="5C727C"/>
+                  </a:solidFill>
+                  <a:latin typeface="微軟正黑體" panose="020B0604030504040204" pitchFamily="34" charset="-120"/>
+                  <a:ea typeface="微軟正黑體" panose="020B0604030504040204" pitchFamily="34" charset="-120"/>
+                </a:rPr>
+                <a:t>測體重</a:t>
+              </a:r>
+            </a:p>
+          </p:txBody>
+        </p:sp>
+        <p:sp>
+          <p:nvSpPr>
+            <p:cNvPr id="136" name="文字方塊 135">
+              <a:extLst>
+                <a:ext uri="{FF2B5EF4-FFF2-40B4-BE49-F238E27FC236}">
+                  <a16:creationId xmlns:a16="http://schemas.microsoft.com/office/drawing/2014/main" id="{5AFC9D2A-9E24-452A-B624-3663568D4D1B}"/>
+                </a:ext>
+              </a:extLst>
+            </p:cNvPr>
+            <p:cNvSpPr txBox="1"/>
+            <p:nvPr/>
+          </p:nvSpPr>
+          <p:spPr>
+            <a:xfrm>
+              <a:off x="7071492" y="3902325"/>
+              <a:ext cx="800219" cy="584775"/>
+            </a:xfrm>
+            <a:prstGeom prst="rect">
+              <a:avLst/>
+            </a:prstGeom>
+            <a:noFill/>
+          </p:spPr>
+          <p:txBody>
+            <a:bodyPr wrap="none" rtlCol="0">
+              <a:spAutoFit/>
+            </a:bodyPr>
+            <a:lstStyle/>
+            <a:p>
+              <a:r>
+                <a:rPr lang="zh-TW" altLang="en-US" sz="1600" dirty="0">
+                  <a:solidFill>
+                    <a:srgbClr val="5C727C"/>
+                  </a:solidFill>
+                  <a:latin typeface="微軟正黑體" panose="020B0604030504040204" pitchFamily="34" charset="-120"/>
+                  <a:ea typeface="微軟正黑體" panose="020B0604030504040204" pitchFamily="34" charset="-120"/>
+                </a:rPr>
+                <a:t>重複量</a:t>
+              </a:r>
+              <a:endParaRPr lang="en-US" altLang="zh-TW" sz="1600" dirty="0">
+                <a:solidFill>
+                  <a:srgbClr val="5C727C"/>
+                </a:solidFill>
+                <a:latin typeface="微軟正黑體" panose="020B0604030504040204" pitchFamily="34" charset="-120"/>
+                <a:ea typeface="微軟正黑體" panose="020B0604030504040204" pitchFamily="34" charset="-120"/>
+              </a:endParaRPr>
+            </a:p>
+            <a:p>
+              <a:r>
+                <a:rPr lang="zh-TW" altLang="en-US" sz="1600" dirty="0">
+                  <a:solidFill>
+                    <a:srgbClr val="5C727C"/>
+                  </a:solidFill>
+                  <a:latin typeface="微軟正黑體" panose="020B0604030504040204" pitchFamily="34" charset="-120"/>
+                  <a:ea typeface="微軟正黑體" panose="020B0604030504040204" pitchFamily="34" charset="-120"/>
+                </a:rPr>
+                <a:t>測血壓</a:t>
+              </a:r>
+            </a:p>
+          </p:txBody>
+        </p:sp>
+        <p:cxnSp>
+          <p:nvCxnSpPr>
+            <p:cNvPr id="137" name="接點: 肘形 136">
+              <a:extLst>
+                <a:ext uri="{FF2B5EF4-FFF2-40B4-BE49-F238E27FC236}">
+                  <a16:creationId xmlns:a16="http://schemas.microsoft.com/office/drawing/2014/main" id="{9AA2ABD1-CD47-4E38-BA9A-F3954B7A4DB4}"/>
+                </a:ext>
+              </a:extLst>
+            </p:cNvPr>
+            <p:cNvCxnSpPr>
+              <a:cxnSpLocks/>
+              <a:stCxn id="115" idx="4"/>
+            </p:cNvCxnSpPr>
+            <p:nvPr/>
+          </p:nvCxnSpPr>
+          <p:spPr>
+            <a:xfrm rot="5400000" flipH="1">
+              <a:off x="5692941" y="4525033"/>
+              <a:ext cx="963210" cy="2578858"/>
+            </a:xfrm>
+            <a:prstGeom prst="bentConnector4">
+              <a:avLst>
+                <a:gd name="adj1" fmla="val -23733"/>
+                <a:gd name="adj2" fmla="val 99964"/>
+              </a:avLst>
+            </a:prstGeom>
+          </p:spPr>
+          <p:style>
+            <a:lnRef idx="1">
+              <a:schemeClr val="accent1"/>
+            </a:lnRef>
+            <a:fillRef idx="0">
+              <a:schemeClr val="accent1"/>
+            </a:fillRef>
+            <a:effectRef idx="0">
+              <a:schemeClr val="accent1"/>
+            </a:effectRef>
+            <a:fontRef idx="minor">
+              <a:schemeClr val="tx1"/>
+            </a:fontRef>
+          </p:style>
+        </p:cxnSp>
+        <p:sp>
+          <p:nvSpPr>
+            <p:cNvPr id="138" name="矩形 137">
+              <a:extLst>
+                <a:ext uri="{FF2B5EF4-FFF2-40B4-BE49-F238E27FC236}">
+                  <a16:creationId xmlns:a16="http://schemas.microsoft.com/office/drawing/2014/main" id="{875E8318-7D84-4127-A326-D047B514C221}"/>
+                </a:ext>
+              </a:extLst>
+            </p:cNvPr>
+            <p:cNvSpPr/>
+            <p:nvPr/>
+          </p:nvSpPr>
+          <p:spPr>
+            <a:xfrm>
+              <a:off x="5455623" y="6199910"/>
+              <a:ext cx="1210588" cy="338554"/>
+            </a:xfrm>
+            <a:prstGeom prst="rect">
+              <a:avLst/>
+            </a:prstGeom>
+          </p:spPr>
+          <p:txBody>
+            <a:bodyPr wrap="none">
+              <a:spAutoFit/>
+            </a:bodyPr>
+            <a:lstStyle/>
+            <a:p>
+              <a:r>
+                <a:rPr lang="zh-TW" altLang="en-US" sz="1600" dirty="0">
+                  <a:solidFill>
+                    <a:srgbClr val="5C727C"/>
+                  </a:solidFill>
+                  <a:latin typeface="微軟正黑體" panose="020B0604030504040204" pitchFamily="34" charset="-120"/>
+                  <a:ea typeface="微軟正黑體" panose="020B0604030504040204" pitchFamily="34" charset="-120"/>
+                </a:rPr>
+                <a:t>拔除健保卡</a:t>
+              </a:r>
+            </a:p>
+          </p:txBody>
+        </p:sp>
+        <p:cxnSp>
+          <p:nvCxnSpPr>
+            <p:cNvPr id="139" name="接點: 肘形 138">
+              <a:extLst>
+                <a:ext uri="{FF2B5EF4-FFF2-40B4-BE49-F238E27FC236}">
+                  <a16:creationId xmlns:a16="http://schemas.microsoft.com/office/drawing/2014/main" id="{3B11139A-81A6-444E-82EA-68EB4AEB9AD3}"/>
+                </a:ext>
+              </a:extLst>
+            </p:cNvPr>
+            <p:cNvCxnSpPr>
+              <a:cxnSpLocks/>
+              <a:stCxn id="116" idx="1"/>
+              <a:endCxn id="118" idx="0"/>
+            </p:cNvCxnSpPr>
+            <p:nvPr/>
+          </p:nvCxnSpPr>
+          <p:spPr>
+            <a:xfrm rot="16200000" flipH="1" flipV="1">
+              <a:off x="3258145" y="-105417"/>
+              <a:ext cx="1326310" cy="5931605"/>
+            </a:xfrm>
+            <a:prstGeom prst="bentConnector3">
+              <a:avLst>
+                <a:gd name="adj1" fmla="val 560"/>
+              </a:avLst>
+            </a:prstGeom>
+            <a:ln>
+              <a:tailEnd type="triangle"/>
+            </a:ln>
+          </p:spPr>
+          <p:style>
+            <a:lnRef idx="1">
+              <a:schemeClr val="accent1"/>
+            </a:lnRef>
+            <a:fillRef idx="0">
+              <a:schemeClr val="accent1"/>
+            </a:fillRef>
+            <a:effectRef idx="0">
+              <a:schemeClr val="accent1"/>
+            </a:effectRef>
+            <a:fontRef idx="minor">
+              <a:schemeClr val="tx1"/>
+            </a:fontRef>
+          </p:style>
+        </p:cxnSp>
+        <p:sp>
+          <p:nvSpPr>
+            <p:cNvPr id="140" name="矩形 139">
+              <a:extLst>
+                <a:ext uri="{FF2B5EF4-FFF2-40B4-BE49-F238E27FC236}">
+                  <a16:creationId xmlns:a16="http://schemas.microsoft.com/office/drawing/2014/main" id="{5FE9F72F-E6BD-4200-9457-8FA82A8165DD}"/>
+                </a:ext>
+              </a:extLst>
+            </p:cNvPr>
+            <p:cNvSpPr/>
+            <p:nvPr/>
+          </p:nvSpPr>
+          <p:spPr>
+            <a:xfrm>
+              <a:off x="3746262" y="2196032"/>
+              <a:ext cx="1210588" cy="338554"/>
+            </a:xfrm>
+            <a:prstGeom prst="rect">
+              <a:avLst/>
+            </a:prstGeom>
+          </p:spPr>
+          <p:txBody>
+            <a:bodyPr wrap="none">
+              <a:spAutoFit/>
+            </a:bodyPr>
+            <a:lstStyle/>
+            <a:p>
+              <a:r>
+                <a:rPr lang="zh-TW" altLang="en-US" sz="1600" dirty="0">
+                  <a:solidFill>
+                    <a:srgbClr val="5C727C"/>
+                  </a:solidFill>
+                  <a:latin typeface="微軟正黑體" panose="020B0604030504040204" pitchFamily="34" charset="-120"/>
+                  <a:ea typeface="微軟正黑體" panose="020B0604030504040204" pitchFamily="34" charset="-120"/>
+                </a:rPr>
+                <a:t>拔除健保卡</a:t>
+              </a:r>
+            </a:p>
+          </p:txBody>
+        </p:sp>
+        <p:cxnSp>
+          <p:nvCxnSpPr>
+            <p:cNvPr id="141" name="直線單箭頭接點 140">
+              <a:extLst>
+                <a:ext uri="{FF2B5EF4-FFF2-40B4-BE49-F238E27FC236}">
+                  <a16:creationId xmlns:a16="http://schemas.microsoft.com/office/drawing/2014/main" id="{C9F6AC7D-7009-435E-87A9-68FD11B83453}"/>
+                </a:ext>
+              </a:extLst>
+            </p:cNvPr>
+            <p:cNvCxnSpPr>
+              <a:stCxn id="115" idx="6"/>
+              <a:endCxn id="114" idx="3"/>
+            </p:cNvCxnSpPr>
+            <p:nvPr/>
+          </p:nvCxnSpPr>
+          <p:spPr>
+            <a:xfrm flipV="1">
+              <a:off x="8267048" y="4865884"/>
+              <a:ext cx="447515" cy="643856"/>
+            </a:xfrm>
+            <a:prstGeom prst="straightConnector1">
+              <a:avLst/>
+            </a:prstGeom>
+            <a:ln>
+              <a:tailEnd type="triangle"/>
+            </a:ln>
+          </p:spPr>
+          <p:style>
+            <a:lnRef idx="1">
+              <a:schemeClr val="accent1"/>
+            </a:lnRef>
+            <a:fillRef idx="0">
+              <a:schemeClr val="accent1"/>
+            </a:fillRef>
+            <a:effectRef idx="0">
+              <a:schemeClr val="accent1"/>
+            </a:effectRef>
+            <a:fontRef idx="minor">
+              <a:schemeClr val="tx1"/>
+            </a:fontRef>
+          </p:style>
+        </p:cxnSp>
+        <p:cxnSp>
+          <p:nvCxnSpPr>
+            <p:cNvPr id="142" name="直線單箭頭接點 141">
+              <a:extLst>
+                <a:ext uri="{FF2B5EF4-FFF2-40B4-BE49-F238E27FC236}">
+                  <a16:creationId xmlns:a16="http://schemas.microsoft.com/office/drawing/2014/main" id="{9D99489D-24E3-4B86-980F-17CB894AAE6C}"/>
+                </a:ext>
+              </a:extLst>
+            </p:cNvPr>
+            <p:cNvCxnSpPr>
+              <a:stCxn id="116" idx="5"/>
+              <a:endCxn id="114" idx="1"/>
+            </p:cNvCxnSpPr>
+            <p:nvPr/>
+          </p:nvCxnSpPr>
+          <p:spPr>
+            <a:xfrm>
+              <a:off x="8022819" y="3309266"/>
+              <a:ext cx="691744" cy="444583"/>
+            </a:xfrm>
+            <a:prstGeom prst="straightConnector1">
+              <a:avLst/>
+            </a:prstGeom>
+            <a:ln>
+              <a:tailEnd type="triangle"/>
+            </a:ln>
+          </p:spPr>
+          <p:style>
+            <a:lnRef idx="1">
+              <a:schemeClr val="accent1"/>
+            </a:lnRef>
+            <a:fillRef idx="0">
+              <a:schemeClr val="accent1"/>
+            </a:fillRef>
+            <a:effectRef idx="0">
+              <a:schemeClr val="accent1"/>
+            </a:effectRef>
+            <a:fontRef idx="minor">
+              <a:schemeClr val="tx1"/>
+            </a:fontRef>
+          </p:style>
+        </p:cxnSp>
+        <p:cxnSp>
+          <p:nvCxnSpPr>
+            <p:cNvPr id="143" name="接點: 肘形 142">
+              <a:extLst>
+                <a:ext uri="{FF2B5EF4-FFF2-40B4-BE49-F238E27FC236}">
+                  <a16:creationId xmlns:a16="http://schemas.microsoft.com/office/drawing/2014/main" id="{9906B010-29E2-4555-B346-E8CDD61E5582}"/>
+                </a:ext>
+              </a:extLst>
+            </p:cNvPr>
+            <p:cNvCxnSpPr>
+              <a:cxnSpLocks/>
+              <a:stCxn id="113" idx="4"/>
+              <a:endCxn id="118" idx="3"/>
+            </p:cNvCxnSpPr>
+            <p:nvPr/>
+          </p:nvCxnSpPr>
+          <p:spPr>
+            <a:xfrm rot="5400000" flipH="1">
+              <a:off x="5755526" y="-502002"/>
+              <a:ext cx="230308" cy="10966084"/>
+            </a:xfrm>
+            <a:prstGeom prst="bentConnector3">
+              <a:avLst>
+                <a:gd name="adj1" fmla="val -714661"/>
+              </a:avLst>
+            </a:prstGeom>
+            <a:ln>
+              <a:tailEnd type="triangle"/>
+            </a:ln>
+          </p:spPr>
+          <p:style>
+            <a:lnRef idx="1">
+              <a:schemeClr val="accent1"/>
+            </a:lnRef>
+            <a:fillRef idx="0">
+              <a:schemeClr val="accent1"/>
+            </a:fillRef>
+            <a:effectRef idx="0">
+              <a:schemeClr val="accent1"/>
+            </a:effectRef>
+            <a:fontRef idx="minor">
+              <a:schemeClr val="tx1"/>
+            </a:fontRef>
+          </p:style>
+        </p:cxnSp>
+        <p:cxnSp>
+          <p:nvCxnSpPr>
+            <p:cNvPr id="144" name="直線單箭頭接點 143">
+              <a:extLst>
+                <a:ext uri="{FF2B5EF4-FFF2-40B4-BE49-F238E27FC236}">
+                  <a16:creationId xmlns:a16="http://schemas.microsoft.com/office/drawing/2014/main" id="{58C71DBC-F6FB-4F6F-B1D5-59D88EB32D50}"/>
+                </a:ext>
+              </a:extLst>
+            </p:cNvPr>
+            <p:cNvCxnSpPr>
+              <a:stCxn id="114" idx="6"/>
+              <a:endCxn id="113" idx="2"/>
+            </p:cNvCxnSpPr>
+            <p:nvPr/>
+          </p:nvCxnSpPr>
+          <p:spPr>
+            <a:xfrm>
+              <a:off x="10085495" y="4309867"/>
+              <a:ext cx="465153" cy="0"/>
+            </a:xfrm>
+            <a:prstGeom prst="straightConnector1">
+              <a:avLst/>
+            </a:prstGeom>
+            <a:ln>
+              <a:tailEnd type="triangle"/>
+            </a:ln>
+          </p:spPr>
+          <p:style>
+            <a:lnRef idx="1">
+              <a:schemeClr val="accent1"/>
+            </a:lnRef>
+            <a:fillRef idx="0">
+              <a:schemeClr val="accent1"/>
+            </a:fillRef>
+            <a:effectRef idx="0">
+              <a:schemeClr val="accent1"/>
+            </a:effectRef>
+            <a:fontRef idx="minor">
+              <a:schemeClr val="tx1"/>
+            </a:fontRef>
+          </p:style>
+        </p:cxnSp>
+        <p:sp>
+          <p:nvSpPr>
+            <p:cNvPr id="145" name="矩形 144">
+              <a:extLst>
+                <a:ext uri="{FF2B5EF4-FFF2-40B4-BE49-F238E27FC236}">
+                  <a16:creationId xmlns:a16="http://schemas.microsoft.com/office/drawing/2014/main" id="{F94C0F99-7F95-4799-97E7-ACA4453989D6}"/>
+                </a:ext>
+              </a:extLst>
+            </p:cNvPr>
+            <p:cNvSpPr/>
+            <p:nvPr/>
+          </p:nvSpPr>
+          <p:spPr>
+            <a:xfrm rot="2059170">
+              <a:off x="7964157" y="3323906"/>
+              <a:ext cx="1249320" cy="338554"/>
+            </a:xfrm>
+            <a:prstGeom prst="rect">
+              <a:avLst/>
+            </a:prstGeom>
+          </p:spPr>
+          <p:txBody>
+            <a:bodyPr wrap="square">
+              <a:spAutoFit/>
+            </a:bodyPr>
+            <a:lstStyle/>
+            <a:p>
+              <a:r>
+                <a:rPr lang="zh-TW" altLang="en-US" sz="1600" dirty="0">
+                  <a:solidFill>
+                    <a:srgbClr val="5C727C"/>
+                  </a:solidFill>
+                  <a:latin typeface="微軟正黑體" panose="020B0604030504040204" pitchFamily="34" charset="-120"/>
+                  <a:ea typeface="微軟正黑體" panose="020B0604030504040204" pitchFamily="34" charset="-120"/>
+                </a:rPr>
+                <a:t>量測血壓</a:t>
+              </a:r>
+            </a:p>
+          </p:txBody>
+        </p:sp>
+        <p:sp>
+          <p:nvSpPr>
+            <p:cNvPr id="146" name="矩形 145">
+              <a:extLst>
+                <a:ext uri="{FF2B5EF4-FFF2-40B4-BE49-F238E27FC236}">
+                  <a16:creationId xmlns:a16="http://schemas.microsoft.com/office/drawing/2014/main" id="{A2D91492-DD51-4BE0-B564-95A5A5C4EF37}"/>
+                </a:ext>
+              </a:extLst>
+            </p:cNvPr>
+            <p:cNvSpPr/>
+            <p:nvPr/>
+          </p:nvSpPr>
+          <p:spPr>
+            <a:xfrm>
+              <a:off x="9995459" y="4375298"/>
+              <a:ext cx="800219" cy="584775"/>
+            </a:xfrm>
+            <a:prstGeom prst="rect">
+              <a:avLst/>
+            </a:prstGeom>
+          </p:spPr>
+          <p:txBody>
+            <a:bodyPr wrap="none">
+              <a:spAutoFit/>
+            </a:bodyPr>
+            <a:lstStyle/>
+            <a:p>
+              <a:r>
+                <a:rPr lang="zh-TW" altLang="en-US" sz="1600" dirty="0">
+                  <a:solidFill>
+                    <a:srgbClr val="5C727C"/>
+                  </a:solidFill>
+                  <a:latin typeface="微軟正黑體" panose="020B0604030504040204" pitchFamily="34" charset="-120"/>
+                  <a:ea typeface="微軟正黑體" panose="020B0604030504040204" pitchFamily="34" charset="-120"/>
+                </a:rPr>
+                <a:t>拔除</a:t>
+              </a:r>
+              <a:endParaRPr lang="en-US" altLang="zh-TW" sz="1600" dirty="0">
+                <a:solidFill>
+                  <a:srgbClr val="5C727C"/>
+                </a:solidFill>
+                <a:latin typeface="微軟正黑體" panose="020B0604030504040204" pitchFamily="34" charset="-120"/>
+                <a:ea typeface="微軟正黑體" panose="020B0604030504040204" pitchFamily="34" charset="-120"/>
+              </a:endParaRPr>
+            </a:p>
+            <a:p>
+              <a:r>
+                <a:rPr lang="zh-TW" altLang="en-US" sz="1600" dirty="0">
+                  <a:solidFill>
+                    <a:srgbClr val="5C727C"/>
+                  </a:solidFill>
+                  <a:latin typeface="微軟正黑體" panose="020B0604030504040204" pitchFamily="34" charset="-120"/>
+                  <a:ea typeface="微軟正黑體" panose="020B0604030504040204" pitchFamily="34" charset="-120"/>
+                </a:rPr>
+                <a:t>健保卡</a:t>
+              </a:r>
+            </a:p>
+          </p:txBody>
+        </p:sp>
+        <p:sp>
+          <p:nvSpPr>
+            <p:cNvPr id="147" name="矩形 146">
+              <a:extLst>
+                <a:ext uri="{FF2B5EF4-FFF2-40B4-BE49-F238E27FC236}">
+                  <a16:creationId xmlns:a16="http://schemas.microsoft.com/office/drawing/2014/main" id="{F4115999-13AD-4375-A9B0-959BBC34FBE3}"/>
+                </a:ext>
+              </a:extLst>
+            </p:cNvPr>
+            <p:cNvSpPr/>
+            <p:nvPr/>
+          </p:nvSpPr>
+          <p:spPr>
+            <a:xfrm>
+              <a:off x="10395568" y="5509739"/>
+              <a:ext cx="1061803" cy="584775"/>
+            </a:xfrm>
+            <a:prstGeom prst="rect">
+              <a:avLst/>
+            </a:prstGeom>
+          </p:spPr>
+          <p:txBody>
+            <a:bodyPr wrap="square">
+              <a:spAutoFit/>
+            </a:bodyPr>
+            <a:lstStyle/>
+            <a:p>
+              <a:r>
+                <a:rPr lang="zh-TW" altLang="en-US" sz="1600" dirty="0">
+                  <a:solidFill>
+                    <a:srgbClr val="5C727C"/>
+                  </a:solidFill>
+                  <a:latin typeface="微軟正黑體" panose="020B0604030504040204" pitchFamily="34" charset="-120"/>
+                  <a:ea typeface="微軟正黑體" panose="020B0604030504040204" pitchFamily="34" charset="-120"/>
+                </a:rPr>
+                <a:t>成功顯示</a:t>
+              </a:r>
+              <a:r>
+                <a:rPr lang="en-US" altLang="zh-TW" sz="1600" dirty="0" err="1">
+                  <a:solidFill>
+                    <a:srgbClr val="5C727C"/>
+                  </a:solidFill>
+                  <a:latin typeface="微軟正黑體" panose="020B0604030504040204" pitchFamily="34" charset="-120"/>
+                  <a:ea typeface="微軟正黑體" panose="020B0604030504040204" pitchFamily="34" charset="-120"/>
+                </a:rPr>
+                <a:t>QRCode</a:t>
+              </a:r>
+              <a:endParaRPr lang="zh-TW" altLang="en-US" sz="1600" dirty="0">
+                <a:solidFill>
+                  <a:srgbClr val="5C727C"/>
+                </a:solidFill>
+                <a:latin typeface="微軟正黑體" panose="020B0604030504040204" pitchFamily="34" charset="-120"/>
+                <a:ea typeface="微軟正黑體" panose="020B0604030504040204" pitchFamily="34" charset="-120"/>
+              </a:endParaRPr>
+            </a:p>
+          </p:txBody>
+        </p:sp>
+        <p:sp>
+          <p:nvSpPr>
+            <p:cNvPr id="148" name="矩形 147">
+              <a:extLst>
+                <a:ext uri="{FF2B5EF4-FFF2-40B4-BE49-F238E27FC236}">
+                  <a16:creationId xmlns:a16="http://schemas.microsoft.com/office/drawing/2014/main" id="{0F716DBB-80B4-4E78-BD40-C3F91486DEDD}"/>
+                </a:ext>
+              </a:extLst>
+            </p:cNvPr>
+            <p:cNvSpPr/>
+            <p:nvPr/>
+          </p:nvSpPr>
+          <p:spPr>
+            <a:xfrm>
+              <a:off x="10418500" y="1689213"/>
+              <a:ext cx="1569597" cy="1077218"/>
+            </a:xfrm>
+            <a:prstGeom prst="rect">
+              <a:avLst/>
+            </a:prstGeom>
+          </p:spPr>
+          <p:txBody>
+            <a:bodyPr wrap="none">
+              <a:spAutoFit/>
+            </a:bodyPr>
+            <a:lstStyle/>
+            <a:p>
+              <a:r>
+                <a:rPr lang="en-US" altLang="zh-TW" sz="1600" dirty="0" err="1">
+                  <a:solidFill>
+                    <a:srgbClr val="5C727C"/>
+                  </a:solidFill>
+                  <a:latin typeface="微軟正黑體" panose="020B0604030504040204" pitchFamily="34" charset="-120"/>
+                  <a:ea typeface="微軟正黑體" panose="020B0604030504040204" pitchFamily="34" charset="-120"/>
+                </a:rPr>
+                <a:t>Temperature:T</a:t>
+              </a:r>
+              <a:endParaRPr lang="en-US" altLang="zh-TW" sz="1600" dirty="0">
+                <a:solidFill>
+                  <a:srgbClr val="5C727C"/>
+                </a:solidFill>
+                <a:latin typeface="微軟正黑體" panose="020B0604030504040204" pitchFamily="34" charset="-120"/>
+                <a:ea typeface="微軟正黑體" panose="020B0604030504040204" pitchFamily="34" charset="-120"/>
+              </a:endParaRPr>
+            </a:p>
+            <a:p>
+              <a:r>
+                <a:rPr lang="en-US" altLang="zh-TW" sz="1600" dirty="0" err="1">
+                  <a:solidFill>
+                    <a:srgbClr val="5C727C"/>
+                  </a:solidFill>
+                  <a:latin typeface="微軟正黑體" panose="020B0604030504040204" pitchFamily="34" charset="-120"/>
+                  <a:ea typeface="微軟正黑體" panose="020B0604030504040204" pitchFamily="34" charset="-120"/>
+                </a:rPr>
+                <a:t>Weight:W</a:t>
+              </a:r>
+              <a:endParaRPr lang="en-US" altLang="zh-TW" sz="1600" dirty="0">
+                <a:solidFill>
+                  <a:srgbClr val="5C727C"/>
+                </a:solidFill>
+                <a:latin typeface="微軟正黑體" panose="020B0604030504040204" pitchFamily="34" charset="-120"/>
+                <a:ea typeface="微軟正黑體" panose="020B0604030504040204" pitchFamily="34" charset="-120"/>
+              </a:endParaRPr>
+            </a:p>
+            <a:p>
+              <a:r>
+                <a:rPr lang="en-US" altLang="zh-TW" sz="1600" dirty="0" err="1">
+                  <a:solidFill>
+                    <a:srgbClr val="5C727C"/>
+                  </a:solidFill>
+                  <a:latin typeface="微軟正黑體" panose="020B0604030504040204" pitchFamily="34" charset="-120"/>
+                  <a:ea typeface="微軟正黑體" panose="020B0604030504040204" pitchFamily="34" charset="-120"/>
+                </a:rPr>
+                <a:t>Pressure:P</a:t>
+              </a:r>
+              <a:endParaRPr lang="en-US" altLang="zh-TW" sz="1600" dirty="0">
+                <a:solidFill>
+                  <a:srgbClr val="5C727C"/>
+                </a:solidFill>
+                <a:latin typeface="微軟正黑體" panose="020B0604030504040204" pitchFamily="34" charset="-120"/>
+                <a:ea typeface="微軟正黑體" panose="020B0604030504040204" pitchFamily="34" charset="-120"/>
+              </a:endParaRPr>
+            </a:p>
+            <a:p>
+              <a:r>
+                <a:rPr lang="en-US" altLang="zh-TW" sz="1600" dirty="0" err="1">
+                  <a:solidFill>
+                    <a:srgbClr val="5C727C"/>
+                  </a:solidFill>
+                  <a:latin typeface="微軟正黑體" panose="020B0604030504040204" pitchFamily="34" charset="-120"/>
+                  <a:ea typeface="微軟正黑體" panose="020B0604030504040204" pitchFamily="34" charset="-120"/>
+                </a:rPr>
+                <a:t>Card:C</a:t>
+              </a:r>
+              <a:endParaRPr lang="zh-TW" altLang="en-US" sz="1600" dirty="0">
+                <a:solidFill>
+                  <a:srgbClr val="5C727C"/>
+                </a:solidFill>
+                <a:latin typeface="微軟正黑體" panose="020B0604030504040204" pitchFamily="34" charset="-120"/>
+                <a:ea typeface="微軟正黑體" panose="020B0604030504040204" pitchFamily="34" charset="-120"/>
+              </a:endParaRPr>
+            </a:p>
+          </p:txBody>
+        </p:sp>
+      </p:grpSp>
     </p:spTree>
     <p:extLst>
       <p:ext uri="{BB962C8B-B14F-4D97-AF65-F5344CB8AC3E}">
-        <p14:creationId xmlns:p14="http://schemas.microsoft.com/office/powerpoint/2010/main" val="1889230945"/>
+        <p14:creationId xmlns:p14="http://schemas.microsoft.com/office/powerpoint/2010/main" val="302177293"/>
       </p:ext>
     </p:extLst>
   </p:cSld>
@@ -6129,7 +8866,7 @@
           <p:nvPr/>
         </p:nvPicPr>
         <p:blipFill>
-          <a:blip r:embed="rId2"/>
+          <a:blip r:embed="rId3"/>
           <a:stretch>
             <a:fillRect/>
           </a:stretch>
@@ -6973,4 +9710,299 @@
     </a:ext>
   </a:extLst>
 </a:theme>
+</file>
+
+<file path=ppt/theme/theme2.xml><?xml version="1.0" encoding="utf-8"?>
+<a:theme xmlns:a="http://schemas.openxmlformats.org/drawingml/2006/main" name="Office 佈景主題">
+  <a:themeElements>
+    <a:clrScheme name="Office">
+      <a:dk1>
+        <a:sysClr val="windowText" lastClr="000000"/>
+      </a:dk1>
+      <a:lt1>
+        <a:sysClr val="window" lastClr="FFFFFF"/>
+      </a:lt1>
+      <a:dk2>
+        <a:srgbClr val="44546A"/>
+      </a:dk2>
+      <a:lt2>
+        <a:srgbClr val="E7E6E6"/>
+      </a:lt2>
+      <a:accent1>
+        <a:srgbClr val="4472C4"/>
+      </a:accent1>
+      <a:accent2>
+        <a:srgbClr val="ED7D31"/>
+      </a:accent2>
+      <a:accent3>
+        <a:srgbClr val="A5A5A5"/>
+      </a:accent3>
+      <a:accent4>
+        <a:srgbClr val="FFC000"/>
+      </a:accent4>
+      <a:accent5>
+        <a:srgbClr val="5B9BD5"/>
+      </a:accent5>
+      <a:accent6>
+        <a:srgbClr val="70AD47"/>
+      </a:accent6>
+      <a:hlink>
+        <a:srgbClr val="0563C1"/>
+      </a:hlink>
+      <a:folHlink>
+        <a:srgbClr val="954F72"/>
+      </a:folHlink>
+    </a:clrScheme>
+    <a:fontScheme name="Office">
+      <a:majorFont>
+        <a:latin typeface="Calibri Light" panose="020F0302020204030204"/>
+        <a:ea typeface=""/>
+        <a:cs typeface=""/>
+        <a:font script="Jpan" typeface="游ゴシック Light"/>
+        <a:font script="Hang" typeface="맑은 고딕"/>
+        <a:font script="Hans" typeface="等线 Light"/>
+        <a:font script="Hant" typeface="新細明體"/>
+        <a:font script="Arab" typeface="Times New Roman"/>
+        <a:font script="Hebr" typeface="Times New Roman"/>
+        <a:font script="Thai" typeface="Angsana New"/>
+        <a:font script="Ethi" typeface="Nyala"/>
+        <a:font script="Beng" typeface="Vrinda"/>
+        <a:font script="Gujr" typeface="Shruti"/>
+        <a:font script="Khmr" typeface="MoolBoran"/>
+        <a:font script="Knda" typeface="Tunga"/>
+        <a:font script="Guru" typeface="Raavi"/>
+        <a:font script="Cans" typeface="Euphemia"/>
+        <a:font script="Cher" typeface="Plantagenet Cherokee"/>
+        <a:font script="Yiii" typeface="Microsoft Yi Baiti"/>
+        <a:font script="Tibt" typeface="Microsoft Himalaya"/>
+        <a:font script="Thaa" typeface="MV Boli"/>
+        <a:font script="Deva" typeface="Mangal"/>
+        <a:font script="Telu" typeface="Gautami"/>
+        <a:font script="Taml" typeface="Latha"/>
+        <a:font script="Syrc" typeface="Estrangelo Edessa"/>
+        <a:font script="Orya" typeface="Kalinga"/>
+        <a:font script="Mlym" typeface="Kartika"/>
+        <a:font script="Laoo" typeface="DokChampa"/>
+        <a:font script="Sinh" typeface="Iskoola Pota"/>
+        <a:font script="Mong" typeface="Mongolian Baiti"/>
+        <a:font script="Viet" typeface="Times New Roman"/>
+        <a:font script="Uigh" typeface="Microsoft Uighur"/>
+        <a:font script="Geor" typeface="Sylfaen"/>
+        <a:font script="Armn" typeface="Arial"/>
+        <a:font script="Bugi" typeface="Leelawadee UI"/>
+        <a:font script="Bopo" typeface="Microsoft JhengHei"/>
+        <a:font script="Java" typeface="Javanese Text"/>
+        <a:font script="Lisu" typeface="Segoe UI"/>
+        <a:font script="Mymr" typeface="Myanmar Text"/>
+        <a:font script="Nkoo" typeface="Ebrima"/>
+        <a:font script="Olck" typeface="Nirmala UI"/>
+        <a:font script="Osma" typeface="Ebrima"/>
+        <a:font script="Phag" typeface="Phagspa"/>
+        <a:font script="Syrn" typeface="Estrangelo Edessa"/>
+        <a:font script="Syrj" typeface="Estrangelo Edessa"/>
+        <a:font script="Syre" typeface="Estrangelo Edessa"/>
+        <a:font script="Sora" typeface="Nirmala UI"/>
+        <a:font script="Tale" typeface="Microsoft Tai Le"/>
+        <a:font script="Talu" typeface="Microsoft New Tai Lue"/>
+        <a:font script="Tfng" typeface="Ebrima"/>
+      </a:majorFont>
+      <a:minorFont>
+        <a:latin typeface="Calibri" panose="020F0502020204030204"/>
+        <a:ea typeface=""/>
+        <a:cs typeface=""/>
+        <a:font script="Jpan" typeface="游ゴシック"/>
+        <a:font script="Hang" typeface="맑은 고딕"/>
+        <a:font script="Hans" typeface="等线"/>
+        <a:font script="Hant" typeface="新細明體"/>
+        <a:font script="Arab" typeface="Arial"/>
+        <a:font script="Hebr" typeface="Arial"/>
+        <a:font script="Thai" typeface="Cordia New"/>
+        <a:font script="Ethi" typeface="Nyala"/>
+        <a:font script="Beng" typeface="Vrinda"/>
+        <a:font script="Gujr" typeface="Shruti"/>
+        <a:font script="Khmr" typeface="DaunPenh"/>
+        <a:font script="Knda" typeface="Tunga"/>
+        <a:font script="Guru" typeface="Raavi"/>
+        <a:font script="Cans" typeface="Euphemia"/>
+        <a:font script="Cher" typeface="Plantagenet Cherokee"/>
+        <a:font script="Yiii" typeface="Microsoft Yi Baiti"/>
+        <a:font script="Tibt" typeface="Microsoft Himalaya"/>
+        <a:font script="Thaa" typeface="MV Boli"/>
+        <a:font script="Deva" typeface="Mangal"/>
+        <a:font script="Telu" typeface="Gautami"/>
+        <a:font script="Taml" typeface="Latha"/>
+        <a:font script="Syrc" typeface="Estrangelo Edessa"/>
+        <a:font script="Orya" typeface="Kalinga"/>
+        <a:font script="Mlym" typeface="Kartika"/>
+        <a:font script="Laoo" typeface="DokChampa"/>
+        <a:font script="Sinh" typeface="Iskoola Pota"/>
+        <a:font script="Mong" typeface="Mongolian Baiti"/>
+        <a:font script="Viet" typeface="Arial"/>
+        <a:font script="Uigh" typeface="Microsoft Uighur"/>
+        <a:font script="Geor" typeface="Sylfaen"/>
+        <a:font script="Armn" typeface="Arial"/>
+        <a:font script="Bugi" typeface="Leelawadee UI"/>
+        <a:font script="Bopo" typeface="Microsoft JhengHei"/>
+        <a:font script="Java" typeface="Javanese Text"/>
+        <a:font script="Lisu" typeface="Segoe UI"/>
+        <a:font script="Mymr" typeface="Myanmar Text"/>
+        <a:font script="Nkoo" typeface="Ebrima"/>
+        <a:font script="Olck" typeface="Nirmala UI"/>
+        <a:font script="Osma" typeface="Ebrima"/>
+        <a:font script="Phag" typeface="Phagspa"/>
+        <a:font script="Syrn" typeface="Estrangelo Edessa"/>
+        <a:font script="Syrj" typeface="Estrangelo Edessa"/>
+        <a:font script="Syre" typeface="Estrangelo Edessa"/>
+        <a:font script="Sora" typeface="Nirmala UI"/>
+        <a:font script="Tale" typeface="Microsoft Tai Le"/>
+        <a:font script="Talu" typeface="Microsoft New Tai Lue"/>
+        <a:font script="Tfng" typeface="Ebrima"/>
+      </a:minorFont>
+    </a:fontScheme>
+    <a:fmtScheme name="Office">
+      <a:fillStyleLst>
+        <a:solidFill>
+          <a:schemeClr val="phClr"/>
+        </a:solidFill>
+        <a:gradFill rotWithShape="1">
+          <a:gsLst>
+            <a:gs pos="0">
+              <a:schemeClr val="phClr">
+                <a:lumMod val="110000"/>
+                <a:satMod val="105000"/>
+                <a:tint val="67000"/>
+              </a:schemeClr>
+            </a:gs>
+            <a:gs pos="50000">
+              <a:schemeClr val="phClr">
+                <a:lumMod val="105000"/>
+                <a:satMod val="103000"/>
+                <a:tint val="73000"/>
+              </a:schemeClr>
+            </a:gs>
+            <a:gs pos="100000">
+              <a:schemeClr val="phClr">
+                <a:lumMod val="105000"/>
+                <a:satMod val="109000"/>
+                <a:tint val="81000"/>
+              </a:schemeClr>
+            </a:gs>
+          </a:gsLst>
+          <a:lin ang="5400000" scaled="0"/>
+        </a:gradFill>
+        <a:gradFill rotWithShape="1">
+          <a:gsLst>
+            <a:gs pos="0">
+              <a:schemeClr val="phClr">
+                <a:satMod val="103000"/>
+                <a:lumMod val="102000"/>
+                <a:tint val="94000"/>
+              </a:schemeClr>
+            </a:gs>
+            <a:gs pos="50000">
+              <a:schemeClr val="phClr">
+                <a:satMod val="110000"/>
+                <a:lumMod val="100000"/>
+                <a:shade val="100000"/>
+              </a:schemeClr>
+            </a:gs>
+            <a:gs pos="100000">
+              <a:schemeClr val="phClr">
+                <a:lumMod val="99000"/>
+                <a:satMod val="120000"/>
+                <a:shade val="78000"/>
+              </a:schemeClr>
+            </a:gs>
+          </a:gsLst>
+          <a:lin ang="5400000" scaled="0"/>
+        </a:gradFill>
+      </a:fillStyleLst>
+      <a:lnStyleLst>
+        <a:ln w="6350" cap="flat" cmpd="sng" algn="ctr">
+          <a:solidFill>
+            <a:schemeClr val="phClr"/>
+          </a:solidFill>
+          <a:prstDash val="solid"/>
+          <a:miter lim="800000"/>
+        </a:ln>
+        <a:ln w="12700" cap="flat" cmpd="sng" algn="ctr">
+          <a:solidFill>
+            <a:schemeClr val="phClr"/>
+          </a:solidFill>
+          <a:prstDash val="solid"/>
+          <a:miter lim="800000"/>
+        </a:ln>
+        <a:ln w="19050" cap="flat" cmpd="sng" algn="ctr">
+          <a:solidFill>
+            <a:schemeClr val="phClr"/>
+          </a:solidFill>
+          <a:prstDash val="solid"/>
+          <a:miter lim="800000"/>
+        </a:ln>
+      </a:lnStyleLst>
+      <a:effectStyleLst>
+        <a:effectStyle>
+          <a:effectLst/>
+        </a:effectStyle>
+        <a:effectStyle>
+          <a:effectLst/>
+        </a:effectStyle>
+        <a:effectStyle>
+          <a:effectLst>
+            <a:outerShdw blurRad="57150" dist="19050" dir="5400000" algn="ctr" rotWithShape="0">
+              <a:srgbClr val="000000">
+                <a:alpha val="63000"/>
+              </a:srgbClr>
+            </a:outerShdw>
+          </a:effectLst>
+        </a:effectStyle>
+      </a:effectStyleLst>
+      <a:bgFillStyleLst>
+        <a:solidFill>
+          <a:schemeClr val="phClr"/>
+        </a:solidFill>
+        <a:solidFill>
+          <a:schemeClr val="phClr">
+            <a:tint val="95000"/>
+            <a:satMod val="170000"/>
+          </a:schemeClr>
+        </a:solidFill>
+        <a:gradFill rotWithShape="1">
+          <a:gsLst>
+            <a:gs pos="0">
+              <a:schemeClr val="phClr">
+                <a:tint val="93000"/>
+                <a:satMod val="150000"/>
+                <a:shade val="98000"/>
+                <a:lumMod val="102000"/>
+              </a:schemeClr>
+            </a:gs>
+            <a:gs pos="50000">
+              <a:schemeClr val="phClr">
+                <a:tint val="98000"/>
+                <a:satMod val="130000"/>
+                <a:shade val="90000"/>
+                <a:lumMod val="103000"/>
+              </a:schemeClr>
+            </a:gs>
+            <a:gs pos="100000">
+              <a:schemeClr val="phClr">
+                <a:shade val="63000"/>
+                <a:satMod val="120000"/>
+              </a:schemeClr>
+            </a:gs>
+          </a:gsLst>
+          <a:lin ang="5400000" scaled="0"/>
+        </a:gradFill>
+      </a:bgFillStyleLst>
+    </a:fmtScheme>
+  </a:themeElements>
+  <a:objectDefaults/>
+  <a:extraClrSchemeLst/>
+  <a:extLst>
+    <a:ext uri="{05A4C25C-085E-4340-85A3-A5531E510DB2}">
+      <thm15:themeFamily xmlns:thm15="http://schemas.microsoft.com/office/thememl/2012/main" name="Office Theme" id="{62F939B6-93AF-4DB8-9C6B-D6C7DFDC589F}" vid="{4A3C46E8-61CC-4603-A589-7422A47A8E4A}"/>
+    </a:ext>
+  </a:extLst>
+</a:theme>
 </file>